--- a/doc/pdp方案设计-20210929.pptx
+++ b/doc/pdp方案设计-20210929.pptx
@@ -8,9 +8,11 @@
     <p:sldId id="256" r:id="rId2"/>
     <p:sldId id="261" r:id="rId3"/>
     <p:sldId id="257" r:id="rId4"/>
-    <p:sldId id="258" r:id="rId5"/>
-    <p:sldId id="259" r:id="rId6"/>
-    <p:sldId id="260" r:id="rId7"/>
+    <p:sldId id="262" r:id="rId5"/>
+    <p:sldId id="258" r:id="rId6"/>
+    <p:sldId id="259" r:id="rId7"/>
+    <p:sldId id="260" r:id="rId8"/>
+    <p:sldId id="263" r:id="rId9"/>
   </p:sldIdLst>
   <p:sldSz cx="12192000" cy="6858000"/>
   <p:notesSz cx="6858000" cy="9144000"/>
@@ -117,6 +119,18 @@
 </p:presentation>
 </file>
 
+<file path=ppt/commentAuthors.xml><?xml version="1.0" encoding="utf-8"?>
+<p:cmAuthorLst xmlns:a="http://schemas.openxmlformats.org/drawingml/2006/main" xmlns:r="http://schemas.openxmlformats.org/officeDocument/2006/relationships" xmlns:p="http://schemas.openxmlformats.org/presentationml/2006/main">
+  <p:cmAuthor id="1" name="z z" initials="zz" lastIdx="1" clrIdx="0">
+    <p:extLst>
+      <p:ext uri="{19B8F6BF-5375-455C-9EA6-DF929625EA0E}">
+        <p15:presenceInfo xmlns:p15="http://schemas.microsoft.com/office/powerpoint/2012/main" userId="05d280a014341975" providerId="Windows Live"/>
+      </p:ext>
+    </p:extLst>
+  </p:cmAuthor>
+</p:cmAuthorLst>
+</file>
+
 <file path=ppt/slideLayouts/slideLayout1.xml><?xml version="1.0" encoding="utf-8"?>
 <p:sldLayout xmlns:a="http://schemas.openxmlformats.org/drawingml/2006/main" xmlns:r="http://schemas.openxmlformats.org/officeDocument/2006/relationships" xmlns:p="http://schemas.openxmlformats.org/presentationml/2006/main" type="title" preserve="1">
   <p:cSld name="标题幻灯片">
@@ -264,7 +278,7 @@
           <a:p>
             <a:fld id="{F88B6D18-BA9B-4171-855C-7141225C04F0}" type="datetimeFigureOut">
               <a:rPr lang="zh-CN" altLang="en-US" smtClean="0"/>
-              <a:t>2021/9/29</a:t>
+              <a:t>2021/10/11</a:t>
             </a:fld>
             <a:endParaRPr lang="zh-CN" altLang="en-US"/>
           </a:p>
@@ -462,7 +476,7 @@
           <a:p>
             <a:fld id="{F88B6D18-BA9B-4171-855C-7141225C04F0}" type="datetimeFigureOut">
               <a:rPr lang="zh-CN" altLang="en-US" smtClean="0"/>
-              <a:t>2021/9/29</a:t>
+              <a:t>2021/10/11</a:t>
             </a:fld>
             <a:endParaRPr lang="zh-CN" altLang="en-US"/>
           </a:p>
@@ -670,7 +684,7 @@
           <a:p>
             <a:fld id="{F88B6D18-BA9B-4171-855C-7141225C04F0}" type="datetimeFigureOut">
               <a:rPr lang="zh-CN" altLang="en-US" smtClean="0"/>
-              <a:t>2021/9/29</a:t>
+              <a:t>2021/10/11</a:t>
             </a:fld>
             <a:endParaRPr lang="zh-CN" altLang="en-US"/>
           </a:p>
@@ -868,7 +882,7 @@
           <a:p>
             <a:fld id="{F88B6D18-BA9B-4171-855C-7141225C04F0}" type="datetimeFigureOut">
               <a:rPr lang="zh-CN" altLang="en-US" smtClean="0"/>
-              <a:t>2021/9/29</a:t>
+              <a:t>2021/10/11</a:t>
             </a:fld>
             <a:endParaRPr lang="zh-CN" altLang="en-US"/>
           </a:p>
@@ -1143,7 +1157,7 @@
           <a:p>
             <a:fld id="{F88B6D18-BA9B-4171-855C-7141225C04F0}" type="datetimeFigureOut">
               <a:rPr lang="zh-CN" altLang="en-US" smtClean="0"/>
-              <a:t>2021/9/29</a:t>
+              <a:t>2021/10/11</a:t>
             </a:fld>
             <a:endParaRPr lang="zh-CN" altLang="en-US"/>
           </a:p>
@@ -1408,7 +1422,7 @@
           <a:p>
             <a:fld id="{F88B6D18-BA9B-4171-855C-7141225C04F0}" type="datetimeFigureOut">
               <a:rPr lang="zh-CN" altLang="en-US" smtClean="0"/>
-              <a:t>2021/9/29</a:t>
+              <a:t>2021/10/11</a:t>
             </a:fld>
             <a:endParaRPr lang="zh-CN" altLang="en-US"/>
           </a:p>
@@ -1820,7 +1834,7 @@
           <a:p>
             <a:fld id="{F88B6D18-BA9B-4171-855C-7141225C04F0}" type="datetimeFigureOut">
               <a:rPr lang="zh-CN" altLang="en-US" smtClean="0"/>
-              <a:t>2021/9/29</a:t>
+              <a:t>2021/10/11</a:t>
             </a:fld>
             <a:endParaRPr lang="zh-CN" altLang="en-US"/>
           </a:p>
@@ -1961,7 +1975,7 @@
           <a:p>
             <a:fld id="{F88B6D18-BA9B-4171-855C-7141225C04F0}" type="datetimeFigureOut">
               <a:rPr lang="zh-CN" altLang="en-US" smtClean="0"/>
-              <a:t>2021/9/29</a:t>
+              <a:t>2021/10/11</a:t>
             </a:fld>
             <a:endParaRPr lang="zh-CN" altLang="en-US"/>
           </a:p>
@@ -2074,7 +2088,7 @@
           <a:p>
             <a:fld id="{F88B6D18-BA9B-4171-855C-7141225C04F0}" type="datetimeFigureOut">
               <a:rPr lang="zh-CN" altLang="en-US" smtClean="0"/>
-              <a:t>2021/9/29</a:t>
+              <a:t>2021/10/11</a:t>
             </a:fld>
             <a:endParaRPr lang="zh-CN" altLang="en-US"/>
           </a:p>
@@ -2385,7 +2399,7 @@
           <a:p>
             <a:fld id="{F88B6D18-BA9B-4171-855C-7141225C04F0}" type="datetimeFigureOut">
               <a:rPr lang="zh-CN" altLang="en-US" smtClean="0"/>
-              <a:t>2021/9/29</a:t>
+              <a:t>2021/10/11</a:t>
             </a:fld>
             <a:endParaRPr lang="zh-CN" altLang="en-US"/>
           </a:p>
@@ -2673,7 +2687,7 @@
           <a:p>
             <a:fld id="{F88B6D18-BA9B-4171-855C-7141225C04F0}" type="datetimeFigureOut">
               <a:rPr lang="zh-CN" altLang="en-US" smtClean="0"/>
-              <a:t>2021/9/29</a:t>
+              <a:t>2021/10/11</a:t>
             </a:fld>
             <a:endParaRPr lang="zh-CN" altLang="en-US"/>
           </a:p>
@@ -2914,7 +2928,7 @@
           <a:p>
             <a:fld id="{F88B6D18-BA9B-4171-855C-7141225C04F0}" type="datetimeFigureOut">
               <a:rPr lang="zh-CN" altLang="en-US" smtClean="0"/>
-              <a:t>2021/9/29</a:t>
+              <a:t>2021/10/11</a:t>
             </a:fld>
             <a:endParaRPr lang="zh-CN" altLang="en-US"/>
           </a:p>
@@ -5546,56 +5560,172 @@
       </p:sp>
       <p:sp>
         <p:nvSpPr>
-          <p:cNvPr id="3" name="矩形: 圆角 2">
-            <a:extLst>
-              <a:ext uri="{FF2B5EF4-FFF2-40B4-BE49-F238E27FC236}">
-                <a16:creationId xmlns:a16="http://schemas.microsoft.com/office/drawing/2014/main" id="{648B44F1-E047-48E1-9421-627693CBC9E5}"/>
-              </a:ext>
-            </a:extLst>
-          </p:cNvPr>
-          <p:cNvSpPr/>
+          <p:cNvPr id="2" name="文本框 1">
+            <a:extLst>
+              <a:ext uri="{FF2B5EF4-FFF2-40B4-BE49-F238E27FC236}">
+                <a16:creationId xmlns:a16="http://schemas.microsoft.com/office/drawing/2014/main" id="{CB5843D2-8F8B-4F1C-9D16-582B9269A3BC}"/>
+              </a:ext>
+            </a:extLst>
+          </p:cNvPr>
+          <p:cNvSpPr txBox="1"/>
           <p:nvPr/>
         </p:nvSpPr>
         <p:spPr>
-          <a:xfrm rot="19534821">
-            <a:off x="3841658" y="1471120"/>
-            <a:ext cx="2053227" cy="559519"/>
-          </a:xfrm>
-          <a:prstGeom prst="roundRect">
+          <a:xfrm>
+            <a:off x="618837" y="655781"/>
+            <a:ext cx="2013527" cy="369332"/>
+          </a:xfrm>
+          <a:prstGeom prst="rect">
             <a:avLst/>
           </a:prstGeom>
-          <a:solidFill>
-            <a:srgbClr val="FFC000"/>
-          </a:solidFill>
-        </p:spPr>
-        <p:style>
-          <a:lnRef idx="2">
-            <a:schemeClr val="accent1">
-              <a:shade val="50000"/>
-            </a:schemeClr>
-          </a:lnRef>
-          <a:fillRef idx="1">
-            <a:schemeClr val="accent1"/>
-          </a:fillRef>
-          <a:effectRef idx="0">
-            <a:schemeClr val="accent1"/>
-          </a:effectRef>
-          <a:fontRef idx="minor">
-            <a:schemeClr val="lt1"/>
-          </a:fontRef>
-        </p:style>
-        <p:txBody>
-          <a:bodyPr rtlCol="0" anchor="ctr"/>
-          <a:lstStyle/>
-          <a:p>
-            <a:pPr algn="ctr"/>
-            <a:r>
-              <a:rPr lang="zh-CN" altLang="en-US" sz="2400" dirty="0">
-                <a:solidFill>
-                  <a:schemeClr val="tx1"/>
-                </a:solidFill>
-              </a:rPr>
-              <a:t>曾庆勇</a:t>
+          <a:noFill/>
+        </p:spPr>
+        <p:txBody>
+          <a:bodyPr wrap="square" rtlCol="0">
+            <a:spAutoFit/>
+          </a:bodyPr>
+          <a:lstStyle/>
+          <a:p>
+            <a:r>
+              <a:rPr lang="en-US" altLang="zh-CN" dirty="0"/>
+              <a:t>1. </a:t>
+            </a:r>
+            <a:r>
+              <a:rPr lang="zh-CN" altLang="en-US" dirty="0"/>
+              <a:t>数据源管理</a:t>
+            </a:r>
+          </a:p>
+        </p:txBody>
+      </p:sp>
+      <p:pic>
+        <p:nvPicPr>
+          <p:cNvPr id="5" name="图片 4">
+            <a:extLst>
+              <a:ext uri="{FF2B5EF4-FFF2-40B4-BE49-F238E27FC236}">
+                <a16:creationId xmlns:a16="http://schemas.microsoft.com/office/drawing/2014/main" id="{8710CB80-741A-4897-B580-3B41345AC12B}"/>
+              </a:ext>
+            </a:extLst>
+          </p:cNvPr>
+          <p:cNvPicPr>
+            <a:picLocks noChangeAspect="1"/>
+          </p:cNvPicPr>
+          <p:nvPr/>
+        </p:nvPicPr>
+        <p:blipFill>
+          <a:blip r:embed="rId2"/>
+          <a:stretch>
+            <a:fillRect/>
+          </a:stretch>
+        </p:blipFill>
+        <p:spPr>
+          <a:xfrm>
+            <a:off x="489922" y="1099005"/>
+            <a:ext cx="10972800" cy="2920235"/>
+          </a:xfrm>
+          <a:prstGeom prst="rect">
+            <a:avLst/>
+          </a:prstGeom>
+        </p:spPr>
+      </p:pic>
+      <p:pic>
+        <p:nvPicPr>
+          <p:cNvPr id="7" name="图片 6">
+            <a:extLst>
+              <a:ext uri="{FF2B5EF4-FFF2-40B4-BE49-F238E27FC236}">
+                <a16:creationId xmlns:a16="http://schemas.microsoft.com/office/drawing/2014/main" id="{E336233B-7FFD-4261-8FC4-731A819868DA}"/>
+              </a:ext>
+            </a:extLst>
+          </p:cNvPr>
+          <p:cNvPicPr>
+            <a:picLocks noChangeAspect="1"/>
+          </p:cNvPicPr>
+          <p:nvPr/>
+        </p:nvPicPr>
+        <p:blipFill>
+          <a:blip r:embed="rId3"/>
+          <a:stretch>
+            <a:fillRect/>
+          </a:stretch>
+        </p:blipFill>
+        <p:spPr>
+          <a:xfrm>
+            <a:off x="729278" y="3648354"/>
+            <a:ext cx="3944216" cy="2886511"/>
+          </a:xfrm>
+          <a:prstGeom prst="rect">
+            <a:avLst/>
+          </a:prstGeom>
+        </p:spPr>
+      </p:pic>
+      <p:sp>
+        <p:nvSpPr>
+          <p:cNvPr id="9" name="文本框 8">
+            <a:extLst>
+              <a:ext uri="{FF2B5EF4-FFF2-40B4-BE49-F238E27FC236}">
+                <a16:creationId xmlns:a16="http://schemas.microsoft.com/office/drawing/2014/main" id="{CABED41F-560C-4CE5-B201-F0C40BC0BEAD}"/>
+              </a:ext>
+            </a:extLst>
+          </p:cNvPr>
+          <p:cNvSpPr txBox="1"/>
+          <p:nvPr/>
+        </p:nvSpPr>
+        <p:spPr>
+          <a:xfrm>
+            <a:off x="4912850" y="3880694"/>
+            <a:ext cx="6909695" cy="923330"/>
+          </a:xfrm>
+          <a:prstGeom prst="rect">
+            <a:avLst/>
+          </a:prstGeom>
+          <a:noFill/>
+        </p:spPr>
+        <p:txBody>
+          <a:bodyPr wrap="square" rtlCol="0">
+            <a:spAutoFit/>
+          </a:bodyPr>
+          <a:lstStyle/>
+          <a:p>
+            <a:pPr marL="342900" indent="-342900">
+              <a:buAutoNum type="arabicPeriod"/>
+            </a:pPr>
+            <a:r>
+              <a:rPr lang="zh-CN" altLang="en-US" dirty="0"/>
+              <a:t>数据源增删改查</a:t>
+            </a:r>
+            <a:endParaRPr lang="en-US" altLang="zh-CN" dirty="0"/>
+          </a:p>
+          <a:p>
+            <a:pPr marL="342900" indent="-342900">
+              <a:buAutoNum type="arabicPeriod"/>
+            </a:pPr>
+            <a:r>
+              <a:rPr lang="zh-CN" altLang="en-US" dirty="0"/>
+              <a:t>添加数据源类型，支持传统数据库</a:t>
+            </a:r>
+            <a:r>
+              <a:rPr lang="en-US" altLang="zh-CN" dirty="0" err="1"/>
+              <a:t>jdbc</a:t>
+            </a:r>
+            <a:r>
+              <a:rPr lang="en-US" altLang="zh-CN" dirty="0"/>
+              <a:t>,  hive, http(dolphin</a:t>
+            </a:r>
+            <a:r>
+              <a:rPr lang="zh-CN" altLang="en-US" dirty="0"/>
+              <a:t>请求</a:t>
+            </a:r>
+            <a:r>
+              <a:rPr lang="en-US" altLang="zh-CN" dirty="0"/>
+              <a:t>)</a:t>
+            </a:r>
+          </a:p>
+          <a:p>
+            <a:pPr marL="342900" indent="-342900">
+              <a:buAutoNum type="arabicPeriod"/>
+            </a:pPr>
+            <a:r>
+              <a:rPr lang="zh-CN" altLang="en-US" dirty="0"/>
+              <a:t>支持关键字搜索（尽量做成下拉框选择样式）</a:t>
             </a:r>
           </a:p>
         </p:txBody>
@@ -5630,6 +5760,66 @@
           <a:chExt cx="0" cy="0"/>
         </a:xfrm>
       </p:grpSpPr>
+      <p:pic>
+        <p:nvPicPr>
+          <p:cNvPr id="11" name="图片 10">
+            <a:extLst>
+              <a:ext uri="{FF2B5EF4-FFF2-40B4-BE49-F238E27FC236}">
+                <a16:creationId xmlns:a16="http://schemas.microsoft.com/office/drawing/2014/main" id="{C4A71F0E-BF11-4B3A-85B5-BBBB39F16EEA}"/>
+              </a:ext>
+            </a:extLst>
+          </p:cNvPr>
+          <p:cNvPicPr>
+            <a:picLocks noChangeAspect="1"/>
+          </p:cNvPicPr>
+          <p:nvPr/>
+        </p:nvPicPr>
+        <p:blipFill>
+          <a:blip r:embed="rId2"/>
+          <a:stretch>
+            <a:fillRect/>
+          </a:stretch>
+        </p:blipFill>
+        <p:spPr>
+          <a:xfrm>
+            <a:off x="7825999" y="757382"/>
+            <a:ext cx="4144197" cy="4759758"/>
+          </a:xfrm>
+          <a:prstGeom prst="rect">
+            <a:avLst/>
+          </a:prstGeom>
+        </p:spPr>
+      </p:pic>
+      <p:pic>
+        <p:nvPicPr>
+          <p:cNvPr id="16" name="图片 15">
+            <a:extLst>
+              <a:ext uri="{FF2B5EF4-FFF2-40B4-BE49-F238E27FC236}">
+                <a16:creationId xmlns:a16="http://schemas.microsoft.com/office/drawing/2014/main" id="{53B02EE9-20AF-4CBC-A14A-2976F7CBEA7C}"/>
+              </a:ext>
+            </a:extLst>
+          </p:cNvPr>
+          <p:cNvPicPr>
+            <a:picLocks noChangeAspect="1"/>
+          </p:cNvPicPr>
+          <p:nvPr/>
+        </p:nvPicPr>
+        <p:blipFill>
+          <a:blip r:embed="rId3"/>
+          <a:stretch>
+            <a:fillRect/>
+          </a:stretch>
+        </p:blipFill>
+        <p:spPr>
+          <a:xfrm>
+            <a:off x="402288" y="3337646"/>
+            <a:ext cx="5524500" cy="1457325"/>
+          </a:xfrm>
+          <a:prstGeom prst="rect">
+            <a:avLst/>
+          </a:prstGeom>
+        </p:spPr>
+      </p:pic>
       <p:sp>
         <p:nvSpPr>
           <p:cNvPr id="134" name="文本框 133">
@@ -5645,7 +5835,7 @@
         <p:spPr>
           <a:xfrm>
             <a:off x="388322" y="96207"/>
-            <a:ext cx="2756265" cy="400110"/>
+            <a:ext cx="3370878" cy="400110"/>
           </a:xfrm>
           <a:prstGeom prst="rect">
             <a:avLst/>
@@ -5677,7 +5867,7 @@
             </a:r>
             <a:r>
               <a:rPr lang="zh-CN" altLang="en-US" dirty="0"/>
-              <a:t>数据质量方案</a:t>
+              <a:t>数据采集方案</a:t>
             </a:r>
             <a:r>
               <a:rPr lang="en-US" altLang="zh-CN" dirty="0"/>
@@ -5692,10 +5882,208 @@
       </p:sp>
       <p:sp>
         <p:nvSpPr>
-          <p:cNvPr id="3" name="矩形: 圆角 2">
-            <a:extLst>
-              <a:ext uri="{FF2B5EF4-FFF2-40B4-BE49-F238E27FC236}">
-                <a16:creationId xmlns:a16="http://schemas.microsoft.com/office/drawing/2014/main" id="{E4673B2A-2499-429D-AD24-CDFCFDB04815}"/>
+          <p:cNvPr id="2" name="文本框 1">
+            <a:extLst>
+              <a:ext uri="{FF2B5EF4-FFF2-40B4-BE49-F238E27FC236}">
+                <a16:creationId xmlns:a16="http://schemas.microsoft.com/office/drawing/2014/main" id="{CB5843D2-8F8B-4F1C-9D16-582B9269A3BC}"/>
+              </a:ext>
+            </a:extLst>
+          </p:cNvPr>
+          <p:cNvSpPr txBox="1"/>
+          <p:nvPr/>
+        </p:nvSpPr>
+        <p:spPr>
+          <a:xfrm>
+            <a:off x="618837" y="655781"/>
+            <a:ext cx="2733963" cy="369332"/>
+          </a:xfrm>
+          <a:prstGeom prst="rect">
+            <a:avLst/>
+          </a:prstGeom>
+          <a:noFill/>
+        </p:spPr>
+        <p:txBody>
+          <a:bodyPr wrap="square" rtlCol="0">
+            <a:spAutoFit/>
+          </a:bodyPr>
+          <a:lstStyle/>
+          <a:p>
+            <a:r>
+              <a:rPr lang="en-US" altLang="zh-CN" dirty="0"/>
+              <a:t>2. Dolphin</a:t>
+            </a:r>
+            <a:r>
+              <a:rPr lang="zh-CN" altLang="en-US" dirty="0"/>
+              <a:t>数据采集</a:t>
+            </a:r>
+          </a:p>
+        </p:txBody>
+      </p:sp>
+      <p:sp>
+        <p:nvSpPr>
+          <p:cNvPr id="9" name="文本框 8">
+            <a:extLst>
+              <a:ext uri="{FF2B5EF4-FFF2-40B4-BE49-F238E27FC236}">
+                <a16:creationId xmlns:a16="http://schemas.microsoft.com/office/drawing/2014/main" id="{CABED41F-560C-4CE5-B201-F0C40BC0BEAD}"/>
+              </a:ext>
+            </a:extLst>
+          </p:cNvPr>
+          <p:cNvSpPr txBox="1"/>
+          <p:nvPr/>
+        </p:nvSpPr>
+        <p:spPr>
+          <a:xfrm>
+            <a:off x="5938087" y="4989745"/>
+            <a:ext cx="6253913" cy="1477328"/>
+          </a:xfrm>
+          <a:prstGeom prst="rect">
+            <a:avLst/>
+          </a:prstGeom>
+          <a:noFill/>
+        </p:spPr>
+        <p:txBody>
+          <a:bodyPr wrap="square" rtlCol="0">
+            <a:spAutoFit/>
+          </a:bodyPr>
+          <a:lstStyle/>
+          <a:p>
+            <a:pPr marL="342900" indent="-342900">
+              <a:buAutoNum type="arabicPeriod"/>
+            </a:pPr>
+            <a:r>
+              <a:rPr lang="zh-CN" altLang="en-US" dirty="0"/>
+              <a:t>任务列表增删改查</a:t>
+            </a:r>
+            <a:endParaRPr lang="en-US" altLang="zh-CN" dirty="0"/>
+          </a:p>
+          <a:p>
+            <a:pPr marL="342900" indent="-342900">
+              <a:buAutoNum type="arabicPeriod"/>
+            </a:pPr>
+            <a:r>
+              <a:rPr lang="zh-CN" altLang="en-US" dirty="0"/>
+              <a:t>添加任务页面使用异步请求选择栏，简化输入</a:t>
+            </a:r>
+            <a:endParaRPr lang="en-US" altLang="zh-CN" dirty="0"/>
+          </a:p>
+          <a:p>
+            <a:pPr marL="342900" indent="-342900">
+              <a:buAutoNum type="arabicPeriod"/>
+            </a:pPr>
+            <a:r>
+              <a:rPr lang="zh-CN" altLang="en-US" dirty="0"/>
+              <a:t>支持同步</a:t>
+            </a:r>
+            <a:r>
+              <a:rPr lang="en-US" altLang="zh-CN" dirty="0"/>
+              <a:t>dolphin</a:t>
+            </a:r>
+            <a:r>
+              <a:rPr lang="zh-CN" altLang="en-US" dirty="0"/>
+              <a:t>任务信息，设置按钮使用同步的</a:t>
+            </a:r>
+            <a:r>
+              <a:rPr lang="en-US" altLang="zh-CN" dirty="0"/>
+              <a:t>json</a:t>
+            </a:r>
+            <a:r>
+              <a:rPr lang="zh-CN" altLang="en-US" dirty="0"/>
+              <a:t>生成任务</a:t>
+            </a:r>
+            <a:endParaRPr lang="en-US" altLang="zh-CN" dirty="0"/>
+          </a:p>
+          <a:p>
+            <a:pPr marL="342900" indent="-342900">
+              <a:buAutoNum type="arabicPeriod"/>
+            </a:pPr>
+            <a:r>
+              <a:rPr lang="zh-CN" altLang="en-US" dirty="0"/>
+              <a:t>搜索</a:t>
+            </a:r>
+            <a:r>
+              <a:rPr lang="en-US" altLang="zh-CN" dirty="0" err="1"/>
+              <a:t>dolPhin</a:t>
+            </a:r>
+            <a:r>
+              <a:rPr lang="zh-CN" altLang="en-US" dirty="0"/>
+              <a:t>任务填入任务信息配置表</a:t>
+            </a:r>
+            <a:endParaRPr lang="en-US" altLang="zh-CN" dirty="0"/>
+          </a:p>
+        </p:txBody>
+      </p:sp>
+      <p:pic>
+        <p:nvPicPr>
+          <p:cNvPr id="8" name="图片 7">
+            <a:extLst>
+              <a:ext uri="{FF2B5EF4-FFF2-40B4-BE49-F238E27FC236}">
+                <a16:creationId xmlns:a16="http://schemas.microsoft.com/office/drawing/2014/main" id="{A4B7E57E-8062-4DFB-8476-BF1B6B079E57}"/>
+              </a:ext>
+            </a:extLst>
+          </p:cNvPr>
+          <p:cNvPicPr>
+            <a:picLocks noChangeAspect="1"/>
+          </p:cNvPicPr>
+          <p:nvPr/>
+        </p:nvPicPr>
+        <p:blipFill>
+          <a:blip r:embed="rId4"/>
+          <a:stretch>
+            <a:fillRect/>
+          </a:stretch>
+        </p:blipFill>
+        <p:spPr>
+          <a:xfrm>
+            <a:off x="396269" y="1092213"/>
+            <a:ext cx="6909695" cy="1899988"/>
+          </a:xfrm>
+          <a:prstGeom prst="rect">
+            <a:avLst/>
+          </a:prstGeom>
+        </p:spPr>
+      </p:pic>
+      <p:sp>
+        <p:nvSpPr>
+          <p:cNvPr id="15" name="文本框 14">
+            <a:extLst>
+              <a:ext uri="{FF2B5EF4-FFF2-40B4-BE49-F238E27FC236}">
+                <a16:creationId xmlns:a16="http://schemas.microsoft.com/office/drawing/2014/main" id="{B2126994-DD52-435F-8411-14FA38966BE8}"/>
+              </a:ext>
+            </a:extLst>
+          </p:cNvPr>
+          <p:cNvSpPr txBox="1"/>
+          <p:nvPr/>
+        </p:nvSpPr>
+        <p:spPr>
+          <a:xfrm>
+            <a:off x="4920386" y="4066308"/>
+            <a:ext cx="538305" cy="261610"/>
+          </a:xfrm>
+          <a:prstGeom prst="rect">
+            <a:avLst/>
+          </a:prstGeom>
+          <a:noFill/>
+        </p:spPr>
+        <p:txBody>
+          <a:bodyPr wrap="square" rtlCol="0">
+            <a:spAutoFit/>
+          </a:bodyPr>
+          <a:lstStyle/>
+          <a:p>
+            <a:r>
+              <a:rPr lang="zh-CN" altLang="en-US" sz="1100" dirty="0"/>
+              <a:t>编辑</a:t>
+            </a:r>
+            <a:endParaRPr lang="en-US" altLang="zh-CN" sz="1100" dirty="0"/>
+          </a:p>
+        </p:txBody>
+      </p:sp>
+      <p:sp>
+        <p:nvSpPr>
+          <p:cNvPr id="17" name="矩形 16">
+            <a:extLst>
+              <a:ext uri="{FF2B5EF4-FFF2-40B4-BE49-F238E27FC236}">
+                <a16:creationId xmlns:a16="http://schemas.microsoft.com/office/drawing/2014/main" id="{D6CA562D-E0F9-4DB2-B0B6-3C866596F720}"/>
               </a:ext>
             </a:extLst>
           </p:cNvPr>
@@ -5703,16 +6091,19 @@
           <p:nvPr/>
         </p:nvSpPr>
         <p:spPr>
-          <a:xfrm rot="19534821">
-            <a:off x="3841658" y="1471120"/>
-            <a:ext cx="2053227" cy="559519"/>
-          </a:xfrm>
-          <a:prstGeom prst="roundRect">
+          <a:xfrm>
+            <a:off x="4717704" y="4066308"/>
+            <a:ext cx="871696" cy="220609"/>
+          </a:xfrm>
+          <a:prstGeom prst="rect">
             <a:avLst/>
           </a:prstGeom>
-          <a:solidFill>
-            <a:srgbClr val="FFC000"/>
-          </a:solidFill>
+          <a:noFill/>
+          <a:ln>
+            <a:solidFill>
+              <a:schemeClr val="tx1"/>
+            </a:solidFill>
+          </a:ln>
         </p:spPr>
         <p:style>
           <a:lnRef idx="2">
@@ -5735,21 +6126,769 @@
           <a:lstStyle/>
           <a:p>
             <a:pPr algn="ctr"/>
-            <a:r>
-              <a:rPr lang="zh-CN" altLang="en-US" sz="2400" dirty="0">
-                <a:solidFill>
-                  <a:schemeClr val="tx1"/>
-                </a:solidFill>
-              </a:rPr>
-              <a:t>曹科伟</a:t>
-            </a:r>
-          </a:p>
-        </p:txBody>
-      </p:sp>
+            <a:endParaRPr lang="zh-CN" altLang="en-US"/>
+          </a:p>
+        </p:txBody>
+      </p:sp>
+      <p:sp>
+        <p:nvSpPr>
+          <p:cNvPr id="19" name="矩形 18">
+            <a:extLst>
+              <a:ext uri="{FF2B5EF4-FFF2-40B4-BE49-F238E27FC236}">
+                <a16:creationId xmlns:a16="http://schemas.microsoft.com/office/drawing/2014/main" id="{EEB0846B-888A-4D71-8509-A1770C1D15F4}"/>
+              </a:ext>
+            </a:extLst>
+          </p:cNvPr>
+          <p:cNvSpPr/>
+          <p:nvPr/>
+        </p:nvSpPr>
+        <p:spPr>
+          <a:xfrm>
+            <a:off x="4717704" y="4066308"/>
+            <a:ext cx="871696" cy="1350856"/>
+          </a:xfrm>
+          <a:prstGeom prst="rect">
+            <a:avLst/>
+          </a:prstGeom>
+          <a:noFill/>
+          <a:ln>
+            <a:solidFill>
+              <a:schemeClr val="tx1"/>
+            </a:solidFill>
+          </a:ln>
+        </p:spPr>
+        <p:style>
+          <a:lnRef idx="2">
+            <a:schemeClr val="accent1">
+              <a:shade val="50000"/>
+            </a:schemeClr>
+          </a:lnRef>
+          <a:fillRef idx="1">
+            <a:schemeClr val="accent1"/>
+          </a:fillRef>
+          <a:effectRef idx="0">
+            <a:schemeClr val="accent1"/>
+          </a:effectRef>
+          <a:fontRef idx="minor">
+            <a:schemeClr val="lt1"/>
+          </a:fontRef>
+        </p:style>
+        <p:txBody>
+          <a:bodyPr rtlCol="0" anchor="ctr"/>
+          <a:lstStyle/>
+          <a:p>
+            <a:pPr algn="ctr"/>
+            <a:endParaRPr lang="zh-CN" altLang="en-US"/>
+          </a:p>
+        </p:txBody>
+      </p:sp>
+      <p:sp>
+        <p:nvSpPr>
+          <p:cNvPr id="20" name="文本框 19">
+            <a:extLst>
+              <a:ext uri="{FF2B5EF4-FFF2-40B4-BE49-F238E27FC236}">
+                <a16:creationId xmlns:a16="http://schemas.microsoft.com/office/drawing/2014/main" id="{37B635DC-E9ED-4536-8428-0980007553CF}"/>
+              </a:ext>
+            </a:extLst>
+          </p:cNvPr>
+          <p:cNvSpPr txBox="1"/>
+          <p:nvPr/>
+        </p:nvSpPr>
+        <p:spPr>
+          <a:xfrm>
+            <a:off x="4920386" y="4286917"/>
+            <a:ext cx="538305" cy="261610"/>
+          </a:xfrm>
+          <a:prstGeom prst="rect">
+            <a:avLst/>
+          </a:prstGeom>
+          <a:noFill/>
+        </p:spPr>
+        <p:txBody>
+          <a:bodyPr wrap="square" rtlCol="0">
+            <a:spAutoFit/>
+          </a:bodyPr>
+          <a:lstStyle/>
+          <a:p>
+            <a:r>
+              <a:rPr lang="zh-CN" altLang="en-US" sz="1100" dirty="0"/>
+              <a:t>删除</a:t>
+            </a:r>
+            <a:endParaRPr lang="en-US" altLang="zh-CN" sz="1100" dirty="0"/>
+          </a:p>
+        </p:txBody>
+      </p:sp>
+      <p:sp>
+        <p:nvSpPr>
+          <p:cNvPr id="21" name="矩形 20">
+            <a:extLst>
+              <a:ext uri="{FF2B5EF4-FFF2-40B4-BE49-F238E27FC236}">
+                <a16:creationId xmlns:a16="http://schemas.microsoft.com/office/drawing/2014/main" id="{C49F7063-0EAE-4524-A02C-E6093CA65D7B}"/>
+              </a:ext>
+            </a:extLst>
+          </p:cNvPr>
+          <p:cNvSpPr/>
+          <p:nvPr/>
+        </p:nvSpPr>
+        <p:spPr>
+          <a:xfrm>
+            <a:off x="4717704" y="4286917"/>
+            <a:ext cx="871696" cy="220609"/>
+          </a:xfrm>
+          <a:prstGeom prst="rect">
+            <a:avLst/>
+          </a:prstGeom>
+          <a:noFill/>
+          <a:ln>
+            <a:solidFill>
+              <a:schemeClr val="tx1"/>
+            </a:solidFill>
+          </a:ln>
+        </p:spPr>
+        <p:style>
+          <a:lnRef idx="2">
+            <a:schemeClr val="accent1">
+              <a:shade val="50000"/>
+            </a:schemeClr>
+          </a:lnRef>
+          <a:fillRef idx="1">
+            <a:schemeClr val="accent1"/>
+          </a:fillRef>
+          <a:effectRef idx="0">
+            <a:schemeClr val="accent1"/>
+          </a:effectRef>
+          <a:fontRef idx="minor">
+            <a:schemeClr val="lt1"/>
+          </a:fontRef>
+        </p:style>
+        <p:txBody>
+          <a:bodyPr rtlCol="0" anchor="ctr"/>
+          <a:lstStyle/>
+          <a:p>
+            <a:pPr algn="ctr"/>
+            <a:endParaRPr lang="zh-CN" altLang="en-US"/>
+          </a:p>
+        </p:txBody>
+      </p:sp>
+      <p:sp>
+        <p:nvSpPr>
+          <p:cNvPr id="22" name="文本框 21">
+            <a:extLst>
+              <a:ext uri="{FF2B5EF4-FFF2-40B4-BE49-F238E27FC236}">
+                <a16:creationId xmlns:a16="http://schemas.microsoft.com/office/drawing/2014/main" id="{E37C5158-3D4B-4D66-86B2-9CCCE0D52798}"/>
+              </a:ext>
+            </a:extLst>
+          </p:cNvPr>
+          <p:cNvSpPr txBox="1"/>
+          <p:nvPr/>
+        </p:nvSpPr>
+        <p:spPr>
+          <a:xfrm>
+            <a:off x="4855031" y="4507526"/>
+            <a:ext cx="669014" cy="261610"/>
+          </a:xfrm>
+          <a:prstGeom prst="rect">
+            <a:avLst/>
+          </a:prstGeom>
+          <a:noFill/>
+        </p:spPr>
+        <p:txBody>
+          <a:bodyPr wrap="square" rtlCol="0">
+            <a:spAutoFit/>
+          </a:bodyPr>
+          <a:lstStyle/>
+          <a:p>
+            <a:r>
+              <a:rPr lang="zh-CN" altLang="en-US" sz="1100" dirty="0"/>
+              <a:t>上</a:t>
+            </a:r>
+            <a:r>
+              <a:rPr lang="en-US" altLang="zh-CN" sz="1100" dirty="0"/>
+              <a:t>/</a:t>
+            </a:r>
+            <a:r>
+              <a:rPr lang="zh-CN" altLang="en-US" sz="1100" dirty="0"/>
+              <a:t>下线</a:t>
+            </a:r>
+            <a:endParaRPr lang="en-US" altLang="zh-CN" sz="1100" dirty="0"/>
+          </a:p>
+        </p:txBody>
+      </p:sp>
+      <p:sp>
+        <p:nvSpPr>
+          <p:cNvPr id="23" name="矩形 22">
+            <a:extLst>
+              <a:ext uri="{FF2B5EF4-FFF2-40B4-BE49-F238E27FC236}">
+                <a16:creationId xmlns:a16="http://schemas.microsoft.com/office/drawing/2014/main" id="{EE61BF86-7EEE-4AB3-8180-93D657DC8F27}"/>
+              </a:ext>
+            </a:extLst>
+          </p:cNvPr>
+          <p:cNvSpPr/>
+          <p:nvPr/>
+        </p:nvSpPr>
+        <p:spPr>
+          <a:xfrm>
+            <a:off x="4717704" y="4507526"/>
+            <a:ext cx="871696" cy="220609"/>
+          </a:xfrm>
+          <a:prstGeom prst="rect">
+            <a:avLst/>
+          </a:prstGeom>
+          <a:noFill/>
+          <a:ln>
+            <a:solidFill>
+              <a:schemeClr val="tx1"/>
+            </a:solidFill>
+          </a:ln>
+        </p:spPr>
+        <p:style>
+          <a:lnRef idx="2">
+            <a:schemeClr val="accent1">
+              <a:shade val="50000"/>
+            </a:schemeClr>
+          </a:lnRef>
+          <a:fillRef idx="1">
+            <a:schemeClr val="accent1"/>
+          </a:fillRef>
+          <a:effectRef idx="0">
+            <a:schemeClr val="accent1"/>
+          </a:effectRef>
+          <a:fontRef idx="minor">
+            <a:schemeClr val="lt1"/>
+          </a:fontRef>
+        </p:style>
+        <p:txBody>
+          <a:bodyPr rtlCol="0" anchor="ctr"/>
+          <a:lstStyle/>
+          <a:p>
+            <a:pPr algn="ctr"/>
+            <a:endParaRPr lang="zh-CN" altLang="en-US"/>
+          </a:p>
+        </p:txBody>
+      </p:sp>
+      <p:sp>
+        <p:nvSpPr>
+          <p:cNvPr id="24" name="文本框 23">
+            <a:extLst>
+              <a:ext uri="{FF2B5EF4-FFF2-40B4-BE49-F238E27FC236}">
+                <a16:creationId xmlns:a16="http://schemas.microsoft.com/office/drawing/2014/main" id="{9BC15506-E871-4175-B94D-6A975AAF9401}"/>
+              </a:ext>
+            </a:extLst>
+          </p:cNvPr>
+          <p:cNvSpPr txBox="1"/>
+          <p:nvPr/>
+        </p:nvSpPr>
+        <p:spPr>
+          <a:xfrm>
+            <a:off x="4920386" y="4728135"/>
+            <a:ext cx="538305" cy="261610"/>
+          </a:xfrm>
+          <a:prstGeom prst="rect">
+            <a:avLst/>
+          </a:prstGeom>
+          <a:noFill/>
+        </p:spPr>
+        <p:txBody>
+          <a:bodyPr wrap="square" rtlCol="0">
+            <a:spAutoFit/>
+          </a:bodyPr>
+          <a:lstStyle/>
+          <a:p>
+            <a:r>
+              <a:rPr lang="zh-CN" altLang="en-US" sz="1100" dirty="0"/>
+              <a:t>同步</a:t>
+            </a:r>
+            <a:endParaRPr lang="en-US" altLang="zh-CN" sz="1100" dirty="0"/>
+          </a:p>
+        </p:txBody>
+      </p:sp>
+      <p:sp>
+        <p:nvSpPr>
+          <p:cNvPr id="25" name="矩形 24">
+            <a:extLst>
+              <a:ext uri="{FF2B5EF4-FFF2-40B4-BE49-F238E27FC236}">
+                <a16:creationId xmlns:a16="http://schemas.microsoft.com/office/drawing/2014/main" id="{BF77CB83-5FA2-4484-8E75-2857942EDA3F}"/>
+              </a:ext>
+            </a:extLst>
+          </p:cNvPr>
+          <p:cNvSpPr/>
+          <p:nvPr/>
+        </p:nvSpPr>
+        <p:spPr>
+          <a:xfrm>
+            <a:off x="4717704" y="4728135"/>
+            <a:ext cx="871696" cy="220609"/>
+          </a:xfrm>
+          <a:prstGeom prst="rect">
+            <a:avLst/>
+          </a:prstGeom>
+          <a:noFill/>
+          <a:ln>
+            <a:solidFill>
+              <a:schemeClr val="tx1"/>
+            </a:solidFill>
+          </a:ln>
+        </p:spPr>
+        <p:style>
+          <a:lnRef idx="2">
+            <a:schemeClr val="accent1">
+              <a:shade val="50000"/>
+            </a:schemeClr>
+          </a:lnRef>
+          <a:fillRef idx="1">
+            <a:schemeClr val="accent1"/>
+          </a:fillRef>
+          <a:effectRef idx="0">
+            <a:schemeClr val="accent1"/>
+          </a:effectRef>
+          <a:fontRef idx="minor">
+            <a:schemeClr val="lt1"/>
+          </a:fontRef>
+        </p:style>
+        <p:txBody>
+          <a:bodyPr rtlCol="0" anchor="ctr"/>
+          <a:lstStyle/>
+          <a:p>
+            <a:pPr algn="ctr"/>
+            <a:endParaRPr lang="zh-CN" altLang="en-US"/>
+          </a:p>
+        </p:txBody>
+      </p:sp>
+      <p:sp>
+        <p:nvSpPr>
+          <p:cNvPr id="26" name="文本框 25">
+            <a:extLst>
+              <a:ext uri="{FF2B5EF4-FFF2-40B4-BE49-F238E27FC236}">
+                <a16:creationId xmlns:a16="http://schemas.microsoft.com/office/drawing/2014/main" id="{114F27A6-F496-43AA-B12B-CF9378A88EF7}"/>
+              </a:ext>
+            </a:extLst>
+          </p:cNvPr>
+          <p:cNvSpPr txBox="1"/>
+          <p:nvPr/>
+        </p:nvSpPr>
+        <p:spPr>
+          <a:xfrm>
+            <a:off x="4717704" y="4928324"/>
+            <a:ext cx="1414165" cy="261610"/>
+          </a:xfrm>
+          <a:prstGeom prst="rect">
+            <a:avLst/>
+          </a:prstGeom>
+          <a:noFill/>
+        </p:spPr>
+        <p:txBody>
+          <a:bodyPr wrap="square" rtlCol="0">
+            <a:spAutoFit/>
+          </a:bodyPr>
+          <a:lstStyle/>
+          <a:p>
+            <a:r>
+              <a:rPr lang="zh-CN" altLang="en-US" sz="1100" dirty="0"/>
+              <a:t>删除</a:t>
+            </a:r>
+            <a:r>
+              <a:rPr lang="en-US" altLang="zh-CN" sz="1100" dirty="0"/>
+              <a:t>dolphin</a:t>
+            </a:r>
+            <a:r>
+              <a:rPr lang="zh-CN" altLang="en-US" sz="1100" dirty="0"/>
+              <a:t>任务</a:t>
+            </a:r>
+            <a:endParaRPr lang="en-US" altLang="zh-CN" sz="1100" dirty="0"/>
+          </a:p>
+        </p:txBody>
+      </p:sp>
+      <p:sp>
+        <p:nvSpPr>
+          <p:cNvPr id="27" name="矩形 26">
+            <a:extLst>
+              <a:ext uri="{FF2B5EF4-FFF2-40B4-BE49-F238E27FC236}">
+                <a16:creationId xmlns:a16="http://schemas.microsoft.com/office/drawing/2014/main" id="{F8463EE5-5756-467C-AB34-01618953098C}"/>
+              </a:ext>
+            </a:extLst>
+          </p:cNvPr>
+          <p:cNvSpPr/>
+          <p:nvPr/>
+        </p:nvSpPr>
+        <p:spPr>
+          <a:xfrm>
+            <a:off x="4727640" y="4948744"/>
+            <a:ext cx="871696" cy="220609"/>
+          </a:xfrm>
+          <a:prstGeom prst="rect">
+            <a:avLst/>
+          </a:prstGeom>
+          <a:noFill/>
+          <a:ln>
+            <a:solidFill>
+              <a:schemeClr val="tx1"/>
+            </a:solidFill>
+          </a:ln>
+        </p:spPr>
+        <p:style>
+          <a:lnRef idx="2">
+            <a:schemeClr val="accent1">
+              <a:shade val="50000"/>
+            </a:schemeClr>
+          </a:lnRef>
+          <a:fillRef idx="1">
+            <a:schemeClr val="accent1"/>
+          </a:fillRef>
+          <a:effectRef idx="0">
+            <a:schemeClr val="accent1"/>
+          </a:effectRef>
+          <a:fontRef idx="minor">
+            <a:schemeClr val="lt1"/>
+          </a:fontRef>
+        </p:style>
+        <p:txBody>
+          <a:bodyPr rtlCol="0" anchor="ctr"/>
+          <a:lstStyle/>
+          <a:p>
+            <a:pPr algn="ctr"/>
+            <a:endParaRPr lang="zh-CN" altLang="en-US"/>
+          </a:p>
+        </p:txBody>
+      </p:sp>
+      <p:sp>
+        <p:nvSpPr>
+          <p:cNvPr id="28" name="文本框 27">
+            <a:extLst>
+              <a:ext uri="{FF2B5EF4-FFF2-40B4-BE49-F238E27FC236}">
+                <a16:creationId xmlns:a16="http://schemas.microsoft.com/office/drawing/2014/main" id="{3B0A70D3-C6FF-4AE8-BDD9-317E34DCF9DC}"/>
+              </a:ext>
+            </a:extLst>
+          </p:cNvPr>
+          <p:cNvSpPr txBox="1"/>
+          <p:nvPr/>
+        </p:nvSpPr>
+        <p:spPr>
+          <a:xfrm>
+            <a:off x="4723221" y="5155554"/>
+            <a:ext cx="1414165" cy="261610"/>
+          </a:xfrm>
+          <a:prstGeom prst="rect">
+            <a:avLst/>
+          </a:prstGeom>
+          <a:noFill/>
+        </p:spPr>
+        <p:txBody>
+          <a:bodyPr wrap="square" rtlCol="0">
+            <a:spAutoFit/>
+          </a:bodyPr>
+          <a:lstStyle/>
+          <a:p>
+            <a:r>
+              <a:rPr lang="zh-CN" altLang="en-US" sz="1100" dirty="0"/>
+              <a:t>创建</a:t>
+            </a:r>
+            <a:r>
+              <a:rPr lang="en-US" altLang="zh-CN" sz="1100" dirty="0"/>
+              <a:t>dolphin</a:t>
+            </a:r>
+            <a:r>
+              <a:rPr lang="zh-CN" altLang="en-US" sz="1100" dirty="0"/>
+              <a:t>任务</a:t>
+            </a:r>
+            <a:endParaRPr lang="en-US" altLang="zh-CN" sz="1100" dirty="0"/>
+          </a:p>
+        </p:txBody>
+      </p:sp>
+      <p:sp>
+        <p:nvSpPr>
+          <p:cNvPr id="29" name="矩形 28">
+            <a:extLst>
+              <a:ext uri="{FF2B5EF4-FFF2-40B4-BE49-F238E27FC236}">
+                <a16:creationId xmlns:a16="http://schemas.microsoft.com/office/drawing/2014/main" id="{3E03A1D3-2AE6-46BB-9901-E452EB3F1A49}"/>
+              </a:ext>
+            </a:extLst>
+          </p:cNvPr>
+          <p:cNvSpPr/>
+          <p:nvPr/>
+        </p:nvSpPr>
+        <p:spPr>
+          <a:xfrm>
+            <a:off x="4733157" y="5175974"/>
+            <a:ext cx="871696" cy="220609"/>
+          </a:xfrm>
+          <a:prstGeom prst="rect">
+            <a:avLst/>
+          </a:prstGeom>
+          <a:noFill/>
+          <a:ln>
+            <a:solidFill>
+              <a:schemeClr val="tx1"/>
+            </a:solidFill>
+          </a:ln>
+        </p:spPr>
+        <p:style>
+          <a:lnRef idx="2">
+            <a:schemeClr val="accent1">
+              <a:shade val="50000"/>
+            </a:schemeClr>
+          </a:lnRef>
+          <a:fillRef idx="1">
+            <a:schemeClr val="accent1"/>
+          </a:fillRef>
+          <a:effectRef idx="0">
+            <a:schemeClr val="accent1"/>
+          </a:effectRef>
+          <a:fontRef idx="minor">
+            <a:schemeClr val="lt1"/>
+          </a:fontRef>
+        </p:style>
+        <p:txBody>
+          <a:bodyPr rtlCol="0" anchor="ctr"/>
+          <a:lstStyle/>
+          <a:p>
+            <a:pPr algn="ctr"/>
+            <a:endParaRPr lang="zh-CN" altLang="en-US"/>
+          </a:p>
+        </p:txBody>
+      </p:sp>
+      <p:cxnSp>
+        <p:nvCxnSpPr>
+          <p:cNvPr id="4" name="连接符: 曲线 3">
+            <a:extLst>
+              <a:ext uri="{FF2B5EF4-FFF2-40B4-BE49-F238E27FC236}">
+                <a16:creationId xmlns:a16="http://schemas.microsoft.com/office/drawing/2014/main" id="{75173CB9-AA3C-40A6-B8A0-13C3367B1B8B}"/>
+              </a:ext>
+            </a:extLst>
+          </p:cNvPr>
+          <p:cNvCxnSpPr/>
+          <p:nvPr/>
+        </p:nvCxnSpPr>
+        <p:spPr>
+          <a:xfrm rot="10800000">
+            <a:off x="6677891" y="2475345"/>
+            <a:ext cx="4729018" cy="2694008"/>
+          </a:xfrm>
+          <a:prstGeom prst="curvedConnector3">
+            <a:avLst/>
+          </a:prstGeom>
+          <a:ln>
+            <a:tailEnd type="triangle"/>
+          </a:ln>
+        </p:spPr>
+        <p:style>
+          <a:lnRef idx="1">
+            <a:schemeClr val="accent1"/>
+          </a:lnRef>
+          <a:fillRef idx="0">
+            <a:schemeClr val="accent1"/>
+          </a:fillRef>
+          <a:effectRef idx="0">
+            <a:schemeClr val="accent1"/>
+          </a:effectRef>
+          <a:fontRef idx="minor">
+            <a:schemeClr val="tx1"/>
+          </a:fontRef>
+        </p:style>
+      </p:cxnSp>
+      <p:cxnSp>
+        <p:nvCxnSpPr>
+          <p:cNvPr id="6" name="连接符: 曲线 5">
+            <a:extLst>
+              <a:ext uri="{FF2B5EF4-FFF2-40B4-BE49-F238E27FC236}">
+                <a16:creationId xmlns:a16="http://schemas.microsoft.com/office/drawing/2014/main" id="{4377756A-C0CE-45BD-87FC-A6E1FB22F0B5}"/>
+              </a:ext>
+            </a:extLst>
+          </p:cNvPr>
+          <p:cNvCxnSpPr>
+            <a:endCxn id="22" idx="3"/>
+          </p:cNvCxnSpPr>
+          <p:nvPr/>
+        </p:nvCxnSpPr>
+        <p:spPr>
+          <a:xfrm rot="5400000">
+            <a:off x="4981831" y="3017560"/>
+            <a:ext cx="2162986" cy="1078557"/>
+          </a:xfrm>
+          <a:prstGeom prst="curvedConnector2">
+            <a:avLst/>
+          </a:prstGeom>
+          <a:ln>
+            <a:tailEnd type="triangle"/>
+          </a:ln>
+        </p:spPr>
+        <p:style>
+          <a:lnRef idx="1">
+            <a:schemeClr val="accent1"/>
+          </a:lnRef>
+          <a:fillRef idx="0">
+            <a:schemeClr val="accent1"/>
+          </a:fillRef>
+          <a:effectRef idx="0">
+            <a:schemeClr val="accent1"/>
+          </a:effectRef>
+          <a:fontRef idx="minor">
+            <a:schemeClr val="tx1"/>
+          </a:fontRef>
+        </p:style>
+      </p:cxnSp>
+      <p:pic>
+        <p:nvPicPr>
+          <p:cNvPr id="10" name="图片 9">
+            <a:extLst>
+              <a:ext uri="{FF2B5EF4-FFF2-40B4-BE49-F238E27FC236}">
+                <a16:creationId xmlns:a16="http://schemas.microsoft.com/office/drawing/2014/main" id="{CD6C3341-505B-4727-A7DE-169CE590F143}"/>
+              </a:ext>
+            </a:extLst>
+          </p:cNvPr>
+          <p:cNvPicPr>
+            <a:picLocks noChangeAspect="1"/>
+          </p:cNvPicPr>
+          <p:nvPr/>
+        </p:nvPicPr>
+        <p:blipFill>
+          <a:blip r:embed="rId5"/>
+          <a:stretch>
+            <a:fillRect/>
+          </a:stretch>
+        </p:blipFill>
+        <p:spPr>
+          <a:xfrm>
+            <a:off x="654996" y="5417164"/>
+            <a:ext cx="1905000" cy="476250"/>
+          </a:xfrm>
+          <a:prstGeom prst="rect">
+            <a:avLst/>
+          </a:prstGeom>
+        </p:spPr>
+      </p:pic>
+      <p:cxnSp>
+        <p:nvCxnSpPr>
+          <p:cNvPr id="13" name="连接符: 曲线 12">
+            <a:extLst>
+              <a:ext uri="{FF2B5EF4-FFF2-40B4-BE49-F238E27FC236}">
+                <a16:creationId xmlns:a16="http://schemas.microsoft.com/office/drawing/2014/main" id="{37ECA506-F8CB-49D2-95F9-187A9C7D4F0C}"/>
+              </a:ext>
+            </a:extLst>
+          </p:cNvPr>
+          <p:cNvCxnSpPr>
+            <a:endCxn id="10" idx="3"/>
+          </p:cNvCxnSpPr>
+          <p:nvPr/>
+        </p:nvCxnSpPr>
+        <p:spPr>
+          <a:xfrm rot="10800000" flipV="1">
+            <a:off x="2559997" y="4617829"/>
+            <a:ext cx="2295035" cy="1037459"/>
+          </a:xfrm>
+          <a:prstGeom prst="curvedConnector3">
+            <a:avLst/>
+          </a:prstGeom>
+          <a:ln>
+            <a:tailEnd type="triangle"/>
+          </a:ln>
+        </p:spPr>
+        <p:style>
+          <a:lnRef idx="1">
+            <a:schemeClr val="accent1"/>
+          </a:lnRef>
+          <a:fillRef idx="0">
+            <a:schemeClr val="accent1"/>
+          </a:fillRef>
+          <a:effectRef idx="0">
+            <a:schemeClr val="accent1"/>
+          </a:effectRef>
+          <a:fontRef idx="minor">
+            <a:schemeClr val="tx1"/>
+          </a:fontRef>
+        </p:style>
+      </p:cxnSp>
+      <p:cxnSp>
+        <p:nvCxnSpPr>
+          <p:cNvPr id="34" name="连接符: 曲线 33">
+            <a:extLst>
+              <a:ext uri="{FF2B5EF4-FFF2-40B4-BE49-F238E27FC236}">
+                <a16:creationId xmlns:a16="http://schemas.microsoft.com/office/drawing/2014/main" id="{FF8067F4-6DB7-43A2-9545-7614F1E11372}"/>
+              </a:ext>
+            </a:extLst>
+          </p:cNvPr>
+          <p:cNvCxnSpPr>
+            <a:stCxn id="25" idx="1"/>
+          </p:cNvCxnSpPr>
+          <p:nvPr/>
+        </p:nvCxnSpPr>
+        <p:spPr>
+          <a:xfrm rot="10800000">
+            <a:off x="1256146" y="4176612"/>
+            <a:ext cx="3461559" cy="661828"/>
+          </a:xfrm>
+          <a:prstGeom prst="curvedConnector3">
+            <a:avLst/>
+          </a:prstGeom>
+          <a:ln>
+            <a:solidFill>
+              <a:srgbClr val="00B050"/>
+            </a:solidFill>
+            <a:tailEnd type="triangle"/>
+          </a:ln>
+        </p:spPr>
+        <p:style>
+          <a:lnRef idx="1">
+            <a:schemeClr val="accent1"/>
+          </a:lnRef>
+          <a:fillRef idx="0">
+            <a:schemeClr val="accent1"/>
+          </a:fillRef>
+          <a:effectRef idx="0">
+            <a:schemeClr val="accent1"/>
+          </a:effectRef>
+          <a:fontRef idx="minor">
+            <a:schemeClr val="tx1"/>
+          </a:fontRef>
+        </p:style>
+      </p:cxnSp>
+      <p:cxnSp>
+        <p:nvCxnSpPr>
+          <p:cNvPr id="38" name="连接符: 曲线 37">
+            <a:extLst>
+              <a:ext uri="{FF2B5EF4-FFF2-40B4-BE49-F238E27FC236}">
+                <a16:creationId xmlns:a16="http://schemas.microsoft.com/office/drawing/2014/main" id="{BB6C98C4-51D5-4EB7-8A87-BA56E8984710}"/>
+              </a:ext>
+            </a:extLst>
+          </p:cNvPr>
+          <p:cNvCxnSpPr>
+            <a:stCxn id="10" idx="0"/>
+          </p:cNvCxnSpPr>
+          <p:nvPr/>
+        </p:nvCxnSpPr>
+        <p:spPr>
+          <a:xfrm rot="16200000" flipV="1">
+            <a:off x="811545" y="4621212"/>
+            <a:ext cx="1240552" cy="351351"/>
+          </a:xfrm>
+          <a:prstGeom prst="curvedConnector3">
+            <a:avLst/>
+          </a:prstGeom>
+          <a:ln>
+            <a:solidFill>
+              <a:srgbClr val="00B050"/>
+            </a:solidFill>
+            <a:tailEnd type="triangle"/>
+          </a:ln>
+        </p:spPr>
+        <p:style>
+          <a:lnRef idx="1">
+            <a:schemeClr val="accent1"/>
+          </a:lnRef>
+          <a:fillRef idx="0">
+            <a:schemeClr val="accent1"/>
+          </a:fillRef>
+          <a:effectRef idx="0">
+            <a:schemeClr val="accent1"/>
+          </a:effectRef>
+          <a:fontRef idx="minor">
+            <a:schemeClr val="tx1"/>
+          </a:fontRef>
+        </p:style>
+      </p:cxnSp>
     </p:spTree>
     <p:extLst>
       <p:ext uri="{BB962C8B-B14F-4D97-AF65-F5344CB8AC3E}">
-        <p14:creationId xmlns:p14="http://schemas.microsoft.com/office/powerpoint/2010/main" val="3285986017"/>
+        <p14:creationId xmlns:p14="http://schemas.microsoft.com/office/powerpoint/2010/main" val="857606806"/>
       </p:ext>
     </p:extLst>
   </p:cSld>
@@ -5791,7 +6930,7 @@
         <p:spPr>
           <a:xfrm>
             <a:off x="388322" y="96207"/>
-            <a:ext cx="2756265" cy="369332"/>
+            <a:ext cx="2756265" cy="400110"/>
           </a:xfrm>
           <a:prstGeom prst="rect">
             <a:avLst/>
@@ -5823,11 +6962,7 @@
             </a:r>
             <a:r>
               <a:rPr lang="zh-CN" altLang="en-US" dirty="0"/>
-              <a:t>任务</a:t>
-            </a:r>
-            <a:r>
-              <a:rPr lang="zh-CN" altLang="en-US"/>
-              <a:t>监控方案</a:t>
+              <a:t>数据质量方案</a:t>
             </a:r>
             <a:r>
               <a:rPr lang="en-US" altLang="zh-CN" dirty="0"/>
@@ -5845,7 +6980,7 @@
           <p:cNvPr id="3" name="矩形: 圆角 2">
             <a:extLst>
               <a:ext uri="{FF2B5EF4-FFF2-40B4-BE49-F238E27FC236}">
-                <a16:creationId xmlns:a16="http://schemas.microsoft.com/office/drawing/2014/main" id="{EECB4B2F-9F05-469A-A007-14CCB61D1308}"/>
+                <a16:creationId xmlns:a16="http://schemas.microsoft.com/office/drawing/2014/main" id="{E4673B2A-2499-429D-AD24-CDFCFDB04815}"/>
               </a:ext>
             </a:extLst>
           </p:cNvPr>
@@ -5891,7 +7026,7 @@
                   <a:schemeClr val="tx1"/>
                 </a:solidFill>
               </a:rPr>
-              <a:t>周升平</a:t>
+              <a:t>曹科伟</a:t>
             </a:r>
           </a:p>
         </p:txBody>
@@ -5899,7 +7034,7 @@
     </p:spTree>
     <p:extLst>
       <p:ext uri="{BB962C8B-B14F-4D97-AF65-F5344CB8AC3E}">
-        <p14:creationId xmlns:p14="http://schemas.microsoft.com/office/powerpoint/2010/main" val="3126961336"/>
+        <p14:creationId xmlns:p14="http://schemas.microsoft.com/office/powerpoint/2010/main" val="3285986017"/>
       </p:ext>
     </p:extLst>
   </p:cSld>
@@ -5941,7 +7076,7 @@
         <p:spPr>
           <a:xfrm>
             <a:off x="388322" y="96207"/>
-            <a:ext cx="4433060" cy="400110"/>
+            <a:ext cx="2756265" cy="369332"/>
           </a:xfrm>
           <a:prstGeom prst="rect">
             <a:avLst/>
@@ -5973,15 +7108,11 @@
             </a:r>
             <a:r>
               <a:rPr lang="zh-CN" altLang="en-US" dirty="0"/>
-              <a:t>用户认证</a:t>
-            </a:r>
-            <a:r>
-              <a:rPr lang="en-US" altLang="zh-CN" dirty="0"/>
-              <a:t>&amp;</a:t>
-            </a:r>
-            <a:r>
-              <a:rPr lang="zh-CN" altLang="en-US" dirty="0"/>
-              <a:t>权限管控方案</a:t>
+              <a:t>任务</a:t>
+            </a:r>
+            <a:r>
+              <a:rPr lang="zh-CN" altLang="en-US"/>
+              <a:t>监控方案</a:t>
             </a:r>
             <a:r>
               <a:rPr lang="en-US" altLang="zh-CN" dirty="0"/>
@@ -5999,7 +7130,7 @@
           <p:cNvPr id="3" name="矩形: 圆角 2">
             <a:extLst>
               <a:ext uri="{FF2B5EF4-FFF2-40B4-BE49-F238E27FC236}">
-                <a16:creationId xmlns:a16="http://schemas.microsoft.com/office/drawing/2014/main" id="{8012CB2C-5E61-4BC0-9AB3-961AA2013341}"/>
+                <a16:creationId xmlns:a16="http://schemas.microsoft.com/office/drawing/2014/main" id="{EECB4B2F-9F05-469A-A007-14CCB61D1308}"/>
               </a:ext>
             </a:extLst>
           </p:cNvPr>
@@ -6045,6 +7176,160 @@
                   <a:schemeClr val="tx1"/>
                 </a:solidFill>
               </a:rPr>
+              <a:t>周升平</a:t>
+            </a:r>
+          </a:p>
+        </p:txBody>
+      </p:sp>
+    </p:spTree>
+    <p:extLst>
+      <p:ext uri="{BB962C8B-B14F-4D97-AF65-F5344CB8AC3E}">
+        <p14:creationId xmlns:p14="http://schemas.microsoft.com/office/powerpoint/2010/main" val="3126961336"/>
+      </p:ext>
+    </p:extLst>
+  </p:cSld>
+  <p:clrMapOvr>
+    <a:masterClrMapping/>
+  </p:clrMapOvr>
+</p:sld>
+</file>
+
+<file path=ppt/slides/slide7.xml><?xml version="1.0" encoding="utf-8"?>
+<p:sld xmlns:a="http://schemas.openxmlformats.org/drawingml/2006/main" xmlns:r="http://schemas.openxmlformats.org/officeDocument/2006/relationships" xmlns:p="http://schemas.openxmlformats.org/presentationml/2006/main">
+  <p:cSld>
+    <p:spTree>
+      <p:nvGrpSpPr>
+        <p:cNvPr id="1" name=""/>
+        <p:cNvGrpSpPr/>
+        <p:nvPr/>
+      </p:nvGrpSpPr>
+      <p:grpSpPr>
+        <a:xfrm>
+          <a:off x="0" y="0"/>
+          <a:ext cx="0" cy="0"/>
+          <a:chOff x="0" y="0"/>
+          <a:chExt cx="0" cy="0"/>
+        </a:xfrm>
+      </p:grpSpPr>
+      <p:sp>
+        <p:nvSpPr>
+          <p:cNvPr id="134" name="文本框 133">
+            <a:extLst>
+              <a:ext uri="{FF2B5EF4-FFF2-40B4-BE49-F238E27FC236}">
+                <a16:creationId xmlns:a16="http://schemas.microsoft.com/office/drawing/2014/main" id="{56B0B4F9-14B4-40B2-BD3D-E8A5F490767C}"/>
+              </a:ext>
+            </a:extLst>
+          </p:cNvPr>
+          <p:cNvSpPr txBox="1"/>
+          <p:nvPr/>
+        </p:nvSpPr>
+        <p:spPr>
+          <a:xfrm>
+            <a:off x="388322" y="96207"/>
+            <a:ext cx="4433060" cy="400110"/>
+          </a:xfrm>
+          <a:prstGeom prst="rect">
+            <a:avLst/>
+          </a:prstGeom>
+          <a:noFill/>
+        </p:spPr>
+        <p:txBody>
+          <a:bodyPr wrap="square" rtlCol="0">
+            <a:spAutoFit/>
+          </a:bodyPr>
+          <a:lstStyle>
+            <a:defPPr>
+              <a:defRPr lang="zh-CN"/>
+            </a:defPPr>
+            <a:lvl1pPr>
+              <a:defRPr sz="2000" b="1">
+                <a:solidFill>
+                  <a:srgbClr val="0070C0"/>
+                </a:solidFill>
+                <a:latin typeface="宋体" panose="02010600030101010101" pitchFamily="2" charset="-122"/>
+                <a:ea typeface="宋体" panose="02010600030101010101" pitchFamily="2" charset="-122"/>
+              </a:defRPr>
+            </a:lvl1pPr>
+          </a:lstStyle>
+          <a:p>
+            <a:r>
+              <a:rPr lang="en-US" altLang="zh-CN" dirty="0" err="1"/>
+              <a:t>pdp</a:t>
+            </a:r>
+            <a:r>
+              <a:rPr lang="zh-CN" altLang="en-US" dirty="0"/>
+              <a:t>用户认证</a:t>
+            </a:r>
+            <a:r>
+              <a:rPr lang="en-US" altLang="zh-CN" dirty="0"/>
+              <a:t>&amp;</a:t>
+            </a:r>
+            <a:r>
+              <a:rPr lang="zh-CN" altLang="en-US" dirty="0"/>
+              <a:t>权限管控方案</a:t>
+            </a:r>
+            <a:r>
+              <a:rPr lang="en-US" altLang="zh-CN" dirty="0"/>
+              <a:t>/</a:t>
+            </a:r>
+            <a:r>
+              <a:rPr lang="zh-CN" altLang="en-US" dirty="0"/>
+              <a:t>功能：</a:t>
+            </a:r>
+          </a:p>
+        </p:txBody>
+      </p:sp>
+      <p:sp>
+        <p:nvSpPr>
+          <p:cNvPr id="3" name="矩形: 圆角 2">
+            <a:extLst>
+              <a:ext uri="{FF2B5EF4-FFF2-40B4-BE49-F238E27FC236}">
+                <a16:creationId xmlns:a16="http://schemas.microsoft.com/office/drawing/2014/main" id="{8012CB2C-5E61-4BC0-9AB3-961AA2013341}"/>
+              </a:ext>
+            </a:extLst>
+          </p:cNvPr>
+          <p:cNvSpPr/>
+          <p:nvPr/>
+        </p:nvSpPr>
+        <p:spPr>
+          <a:xfrm rot="19534821">
+            <a:off x="3841658" y="1471120"/>
+            <a:ext cx="2053227" cy="559519"/>
+          </a:xfrm>
+          <a:prstGeom prst="roundRect">
+            <a:avLst/>
+          </a:prstGeom>
+          <a:solidFill>
+            <a:srgbClr val="FFC000"/>
+          </a:solidFill>
+        </p:spPr>
+        <p:style>
+          <a:lnRef idx="2">
+            <a:schemeClr val="accent1">
+              <a:shade val="50000"/>
+            </a:schemeClr>
+          </a:lnRef>
+          <a:fillRef idx="1">
+            <a:schemeClr val="accent1"/>
+          </a:fillRef>
+          <a:effectRef idx="0">
+            <a:schemeClr val="accent1"/>
+          </a:effectRef>
+          <a:fontRef idx="minor">
+            <a:schemeClr val="lt1"/>
+          </a:fontRef>
+        </p:style>
+        <p:txBody>
+          <a:bodyPr rtlCol="0" anchor="ctr"/>
+          <a:lstStyle/>
+          <a:p>
+            <a:pPr algn="ctr"/>
+            <a:r>
+              <a:rPr lang="zh-CN" altLang="en-US" sz="2400" dirty="0">
+                <a:solidFill>
+                  <a:schemeClr val="tx1"/>
+                </a:solidFill>
+              </a:rPr>
               <a:t>曾庆勇</a:t>
             </a:r>
           </a:p>
@@ -6054,6 +7339,351 @@
     <p:extLst>
       <p:ext uri="{BB962C8B-B14F-4D97-AF65-F5344CB8AC3E}">
         <p14:creationId xmlns:p14="http://schemas.microsoft.com/office/powerpoint/2010/main" val="409230286"/>
+      </p:ext>
+    </p:extLst>
+  </p:cSld>
+  <p:clrMapOvr>
+    <a:masterClrMapping/>
+  </p:clrMapOvr>
+</p:sld>
+</file>
+
+<file path=ppt/slides/slide8.xml><?xml version="1.0" encoding="utf-8"?>
+<p:sld xmlns:a="http://schemas.openxmlformats.org/drawingml/2006/main" xmlns:r="http://schemas.openxmlformats.org/officeDocument/2006/relationships" xmlns:p="http://schemas.openxmlformats.org/presentationml/2006/main">
+  <p:cSld>
+    <p:spTree>
+      <p:nvGrpSpPr>
+        <p:cNvPr id="1" name=""/>
+        <p:cNvGrpSpPr/>
+        <p:nvPr/>
+      </p:nvGrpSpPr>
+      <p:grpSpPr>
+        <a:xfrm>
+          <a:off x="0" y="0"/>
+          <a:ext cx="0" cy="0"/>
+          <a:chOff x="0" y="0"/>
+          <a:chExt cx="0" cy="0"/>
+        </a:xfrm>
+      </p:grpSpPr>
+      <p:pic>
+        <p:nvPicPr>
+          <p:cNvPr id="5" name="图片 4">
+            <a:extLst>
+              <a:ext uri="{FF2B5EF4-FFF2-40B4-BE49-F238E27FC236}">
+                <a16:creationId xmlns:a16="http://schemas.microsoft.com/office/drawing/2014/main" id="{89BA1469-BF5F-439A-A322-774CD9A2AAF8}"/>
+              </a:ext>
+            </a:extLst>
+          </p:cNvPr>
+          <p:cNvPicPr>
+            <a:picLocks noChangeAspect="1"/>
+          </p:cNvPicPr>
+          <p:nvPr/>
+        </p:nvPicPr>
+        <p:blipFill>
+          <a:blip r:embed="rId2"/>
+          <a:stretch>
+            <a:fillRect/>
+          </a:stretch>
+        </p:blipFill>
+        <p:spPr>
+          <a:xfrm>
+            <a:off x="6096000" y="1323784"/>
+            <a:ext cx="5978032" cy="5038627"/>
+          </a:xfrm>
+          <a:prstGeom prst="rect">
+            <a:avLst/>
+          </a:prstGeom>
+        </p:spPr>
+      </p:pic>
+      <p:sp>
+        <p:nvSpPr>
+          <p:cNvPr id="134" name="文本框 133">
+            <a:extLst>
+              <a:ext uri="{FF2B5EF4-FFF2-40B4-BE49-F238E27FC236}">
+                <a16:creationId xmlns:a16="http://schemas.microsoft.com/office/drawing/2014/main" id="{56B0B4F9-14B4-40B2-BD3D-E8A5F490767C}"/>
+              </a:ext>
+            </a:extLst>
+          </p:cNvPr>
+          <p:cNvSpPr txBox="1"/>
+          <p:nvPr/>
+        </p:nvSpPr>
+        <p:spPr>
+          <a:xfrm>
+            <a:off x="388322" y="96207"/>
+            <a:ext cx="4433060" cy="400110"/>
+          </a:xfrm>
+          <a:prstGeom prst="rect">
+            <a:avLst/>
+          </a:prstGeom>
+          <a:noFill/>
+        </p:spPr>
+        <p:txBody>
+          <a:bodyPr wrap="square" rtlCol="0">
+            <a:spAutoFit/>
+          </a:bodyPr>
+          <a:lstStyle>
+            <a:defPPr>
+              <a:defRPr lang="zh-CN"/>
+            </a:defPPr>
+            <a:lvl1pPr>
+              <a:defRPr sz="2000" b="1">
+                <a:solidFill>
+                  <a:srgbClr val="0070C0"/>
+                </a:solidFill>
+                <a:latin typeface="宋体" panose="02010600030101010101" pitchFamily="2" charset="-122"/>
+                <a:ea typeface="宋体" panose="02010600030101010101" pitchFamily="2" charset="-122"/>
+              </a:defRPr>
+            </a:lvl1pPr>
+          </a:lstStyle>
+          <a:p>
+            <a:r>
+              <a:rPr lang="zh-CN" altLang="en-US" dirty="0"/>
+              <a:t>调度中心方案</a:t>
+            </a:r>
+            <a:r>
+              <a:rPr lang="en-US" altLang="zh-CN" dirty="0"/>
+              <a:t>/</a:t>
+            </a:r>
+            <a:r>
+              <a:rPr lang="zh-CN" altLang="en-US" dirty="0"/>
+              <a:t>功能：</a:t>
+            </a:r>
+          </a:p>
+        </p:txBody>
+      </p:sp>
+      <p:sp>
+        <p:nvSpPr>
+          <p:cNvPr id="4" name="文本框 3">
+            <a:extLst>
+              <a:ext uri="{FF2B5EF4-FFF2-40B4-BE49-F238E27FC236}">
+                <a16:creationId xmlns:a16="http://schemas.microsoft.com/office/drawing/2014/main" id="{2C80D048-F782-4D64-BE25-7A137B6F5090}"/>
+              </a:ext>
+            </a:extLst>
+          </p:cNvPr>
+          <p:cNvSpPr txBox="1"/>
+          <p:nvPr/>
+        </p:nvSpPr>
+        <p:spPr>
+          <a:xfrm>
+            <a:off x="388322" y="732530"/>
+            <a:ext cx="5533895" cy="1477328"/>
+          </a:xfrm>
+          <a:prstGeom prst="rect">
+            <a:avLst/>
+          </a:prstGeom>
+          <a:noFill/>
+        </p:spPr>
+        <p:txBody>
+          <a:bodyPr wrap="square" rtlCol="0">
+            <a:spAutoFit/>
+          </a:bodyPr>
+          <a:lstStyle/>
+          <a:p>
+            <a:pPr marL="342900" indent="-342900">
+              <a:buAutoNum type="arabicPeriod"/>
+            </a:pPr>
+            <a:r>
+              <a:rPr lang="zh-CN" altLang="en-US" dirty="0"/>
+              <a:t>轻量级任务调度，避免平台强依赖</a:t>
+            </a:r>
+            <a:r>
+              <a:rPr lang="en-US" altLang="zh-CN" dirty="0"/>
+              <a:t>dolphin</a:t>
+            </a:r>
+          </a:p>
+          <a:p>
+            <a:pPr marL="342900" indent="-342900">
+              <a:buFontTx/>
+              <a:buAutoNum type="arabicPeriod"/>
+            </a:pPr>
+            <a:r>
+              <a:rPr lang="zh-CN" altLang="en-US" dirty="0"/>
+              <a:t>调度任务报表</a:t>
+            </a:r>
+            <a:endParaRPr lang="en-US" altLang="zh-CN" dirty="0"/>
+          </a:p>
+          <a:p>
+            <a:pPr marL="342900" indent="-342900">
+              <a:buAutoNum type="arabicPeriod"/>
+            </a:pPr>
+            <a:r>
+              <a:rPr lang="zh-CN" altLang="en-US" dirty="0"/>
+              <a:t>任务类型支持</a:t>
+            </a:r>
+            <a:r>
+              <a:rPr lang="en-US" altLang="zh-CN" dirty="0"/>
+              <a:t>shell, python, java</a:t>
+            </a:r>
+            <a:r>
+              <a:rPr lang="zh-CN" altLang="en-US" dirty="0"/>
+              <a:t>等脚本，在线编辑</a:t>
+            </a:r>
+            <a:endParaRPr lang="en-US" altLang="zh-CN" dirty="0"/>
+          </a:p>
+          <a:p>
+            <a:pPr marL="342900" indent="-342900">
+              <a:buAutoNum type="arabicPeriod"/>
+            </a:pPr>
+            <a:r>
+              <a:rPr lang="zh-CN" altLang="en-US" dirty="0"/>
+              <a:t>调度任务管理增删改查</a:t>
+            </a:r>
+            <a:endParaRPr lang="en-US" altLang="zh-CN" dirty="0"/>
+          </a:p>
+          <a:p>
+            <a:pPr marL="342900" indent="-342900">
+              <a:buAutoNum type="arabicPeriod"/>
+            </a:pPr>
+            <a:r>
+              <a:rPr lang="zh-CN" altLang="en-US" dirty="0"/>
+              <a:t>调度任务日志在线查看</a:t>
+            </a:r>
+            <a:endParaRPr lang="en-US" altLang="zh-CN" dirty="0"/>
+          </a:p>
+        </p:txBody>
+      </p:sp>
+      <p:pic>
+        <p:nvPicPr>
+          <p:cNvPr id="7" name="图片 6">
+            <a:extLst>
+              <a:ext uri="{FF2B5EF4-FFF2-40B4-BE49-F238E27FC236}">
+                <a16:creationId xmlns:a16="http://schemas.microsoft.com/office/drawing/2014/main" id="{AD29B80D-375B-4149-9FC2-13FC7883A691}"/>
+              </a:ext>
+            </a:extLst>
+          </p:cNvPr>
+          <p:cNvPicPr>
+            <a:picLocks noChangeAspect="1"/>
+          </p:cNvPicPr>
+          <p:nvPr/>
+        </p:nvPicPr>
+        <p:blipFill>
+          <a:blip r:embed="rId3"/>
+          <a:stretch>
+            <a:fillRect/>
+          </a:stretch>
+        </p:blipFill>
+        <p:spPr>
+          <a:xfrm>
+            <a:off x="55922" y="4131184"/>
+            <a:ext cx="5192156" cy="2726816"/>
+          </a:xfrm>
+          <a:prstGeom prst="rect">
+            <a:avLst/>
+          </a:prstGeom>
+        </p:spPr>
+      </p:pic>
+      <p:pic>
+        <p:nvPicPr>
+          <p:cNvPr id="9" name="图片 8">
+            <a:extLst>
+              <a:ext uri="{FF2B5EF4-FFF2-40B4-BE49-F238E27FC236}">
+                <a16:creationId xmlns:a16="http://schemas.microsoft.com/office/drawing/2014/main" id="{C29F8CD1-1A56-42A3-958A-319A801432FA}"/>
+              </a:ext>
+            </a:extLst>
+          </p:cNvPr>
+          <p:cNvPicPr>
+            <a:picLocks noChangeAspect="1"/>
+          </p:cNvPicPr>
+          <p:nvPr/>
+        </p:nvPicPr>
+        <p:blipFill>
+          <a:blip r:embed="rId4"/>
+          <a:stretch>
+            <a:fillRect/>
+          </a:stretch>
+        </p:blipFill>
+        <p:spPr>
+          <a:xfrm>
+            <a:off x="2033399" y="2305130"/>
+            <a:ext cx="3888818" cy="2511691"/>
+          </a:xfrm>
+          <a:prstGeom prst="rect">
+            <a:avLst/>
+          </a:prstGeom>
+        </p:spPr>
+      </p:pic>
+      <p:cxnSp>
+        <p:nvCxnSpPr>
+          <p:cNvPr id="3" name="连接符: 曲线 2">
+            <a:extLst>
+              <a:ext uri="{FF2B5EF4-FFF2-40B4-BE49-F238E27FC236}">
+                <a16:creationId xmlns:a16="http://schemas.microsoft.com/office/drawing/2014/main" id="{ECC9437E-9F6B-471E-BD29-F31AA591458E}"/>
+              </a:ext>
+            </a:extLst>
+          </p:cNvPr>
+          <p:cNvCxnSpPr/>
+          <p:nvPr/>
+        </p:nvCxnSpPr>
+        <p:spPr>
+          <a:xfrm rot="10800000">
+            <a:off x="3786910" y="2724727"/>
+            <a:ext cx="4091709" cy="3435928"/>
+          </a:xfrm>
+          <a:prstGeom prst="curvedConnector3">
+            <a:avLst/>
+          </a:prstGeom>
+          <a:ln>
+            <a:tailEnd type="triangle"/>
+          </a:ln>
+        </p:spPr>
+        <p:style>
+          <a:lnRef idx="1">
+            <a:schemeClr val="accent1"/>
+          </a:lnRef>
+          <a:fillRef idx="0">
+            <a:schemeClr val="accent1"/>
+          </a:fillRef>
+          <a:effectRef idx="0">
+            <a:schemeClr val="accent1"/>
+          </a:effectRef>
+          <a:fontRef idx="minor">
+            <a:schemeClr val="tx1"/>
+          </a:fontRef>
+        </p:style>
+      </p:cxnSp>
+      <p:cxnSp>
+        <p:nvCxnSpPr>
+          <p:cNvPr id="8" name="连接符: 曲线 7">
+            <a:extLst>
+              <a:ext uri="{FF2B5EF4-FFF2-40B4-BE49-F238E27FC236}">
+                <a16:creationId xmlns:a16="http://schemas.microsoft.com/office/drawing/2014/main" id="{B5C8C3FA-2D1E-4BDA-B08A-AD308BEB4FB0}"/>
+              </a:ext>
+            </a:extLst>
+          </p:cNvPr>
+          <p:cNvCxnSpPr/>
+          <p:nvPr/>
+        </p:nvCxnSpPr>
+        <p:spPr>
+          <a:xfrm rot="10800000" flipV="1">
+            <a:off x="1588655" y="3906981"/>
+            <a:ext cx="3426690" cy="1847273"/>
+          </a:xfrm>
+          <a:prstGeom prst="curvedConnector3">
+            <a:avLst/>
+          </a:prstGeom>
+          <a:ln>
+            <a:tailEnd type="triangle"/>
+          </a:ln>
+        </p:spPr>
+        <p:style>
+          <a:lnRef idx="1">
+            <a:schemeClr val="accent1"/>
+          </a:lnRef>
+          <a:fillRef idx="0">
+            <a:schemeClr val="accent1"/>
+          </a:fillRef>
+          <a:effectRef idx="0">
+            <a:schemeClr val="accent1"/>
+          </a:effectRef>
+          <a:fontRef idx="minor">
+            <a:schemeClr val="tx1"/>
+          </a:fontRef>
+        </p:style>
+      </p:cxnSp>
+    </p:spTree>
+    <p:extLst>
+      <p:ext uri="{BB962C8B-B14F-4D97-AF65-F5344CB8AC3E}">
+        <p14:creationId xmlns:p14="http://schemas.microsoft.com/office/powerpoint/2010/main" val="2136162955"/>
       </p:ext>
     </p:extLst>
   </p:cSld>

--- a/doc/pdp方案设计-20210929.pptx
+++ b/doc/pdp方案设计-20210929.pptx
@@ -8,11 +8,9 @@
     <p:sldId id="256" r:id="rId2"/>
     <p:sldId id="261" r:id="rId3"/>
     <p:sldId id="257" r:id="rId4"/>
-    <p:sldId id="262" r:id="rId5"/>
-    <p:sldId id="258" r:id="rId6"/>
-    <p:sldId id="259" r:id="rId7"/>
-    <p:sldId id="260" r:id="rId8"/>
-    <p:sldId id="263" r:id="rId9"/>
+    <p:sldId id="258" r:id="rId5"/>
+    <p:sldId id="259" r:id="rId6"/>
+    <p:sldId id="260" r:id="rId7"/>
   </p:sldIdLst>
   <p:sldSz cx="12192000" cy="6858000"/>
   <p:notesSz cx="6858000" cy="9144000"/>
@@ -119,18 +117,6 @@
 </p:presentation>
 </file>
 
-<file path=ppt/commentAuthors.xml><?xml version="1.0" encoding="utf-8"?>
-<p:cmAuthorLst xmlns:a="http://schemas.openxmlformats.org/drawingml/2006/main" xmlns:r="http://schemas.openxmlformats.org/officeDocument/2006/relationships" xmlns:p="http://schemas.openxmlformats.org/presentationml/2006/main">
-  <p:cmAuthor id="1" name="z z" initials="zz" lastIdx="1" clrIdx="0">
-    <p:extLst>
-      <p:ext uri="{19B8F6BF-5375-455C-9EA6-DF929625EA0E}">
-        <p15:presenceInfo xmlns:p15="http://schemas.microsoft.com/office/powerpoint/2012/main" userId="05d280a014341975" providerId="Windows Live"/>
-      </p:ext>
-    </p:extLst>
-  </p:cmAuthor>
-</p:cmAuthorLst>
-</file>
-
 <file path=ppt/slideLayouts/slideLayout1.xml><?xml version="1.0" encoding="utf-8"?>
 <p:sldLayout xmlns:a="http://schemas.openxmlformats.org/drawingml/2006/main" xmlns:r="http://schemas.openxmlformats.org/officeDocument/2006/relationships" xmlns:p="http://schemas.openxmlformats.org/presentationml/2006/main" type="title" preserve="1">
   <p:cSld name="标题幻灯片">
@@ -278,7 +264,7 @@
           <a:p>
             <a:fld id="{F88B6D18-BA9B-4171-855C-7141225C04F0}" type="datetimeFigureOut">
               <a:rPr lang="zh-CN" altLang="en-US" smtClean="0"/>
-              <a:t>2021/10/11</a:t>
+              <a:t>2021/9/29</a:t>
             </a:fld>
             <a:endParaRPr lang="zh-CN" altLang="en-US"/>
           </a:p>
@@ -476,7 +462,7 @@
           <a:p>
             <a:fld id="{F88B6D18-BA9B-4171-855C-7141225C04F0}" type="datetimeFigureOut">
               <a:rPr lang="zh-CN" altLang="en-US" smtClean="0"/>
-              <a:t>2021/10/11</a:t>
+              <a:t>2021/9/29</a:t>
             </a:fld>
             <a:endParaRPr lang="zh-CN" altLang="en-US"/>
           </a:p>
@@ -684,7 +670,7 @@
           <a:p>
             <a:fld id="{F88B6D18-BA9B-4171-855C-7141225C04F0}" type="datetimeFigureOut">
               <a:rPr lang="zh-CN" altLang="en-US" smtClean="0"/>
-              <a:t>2021/10/11</a:t>
+              <a:t>2021/9/29</a:t>
             </a:fld>
             <a:endParaRPr lang="zh-CN" altLang="en-US"/>
           </a:p>
@@ -882,7 +868,7 @@
           <a:p>
             <a:fld id="{F88B6D18-BA9B-4171-855C-7141225C04F0}" type="datetimeFigureOut">
               <a:rPr lang="zh-CN" altLang="en-US" smtClean="0"/>
-              <a:t>2021/10/11</a:t>
+              <a:t>2021/9/29</a:t>
             </a:fld>
             <a:endParaRPr lang="zh-CN" altLang="en-US"/>
           </a:p>
@@ -1157,7 +1143,7 @@
           <a:p>
             <a:fld id="{F88B6D18-BA9B-4171-855C-7141225C04F0}" type="datetimeFigureOut">
               <a:rPr lang="zh-CN" altLang="en-US" smtClean="0"/>
-              <a:t>2021/10/11</a:t>
+              <a:t>2021/9/29</a:t>
             </a:fld>
             <a:endParaRPr lang="zh-CN" altLang="en-US"/>
           </a:p>
@@ -1422,7 +1408,7 @@
           <a:p>
             <a:fld id="{F88B6D18-BA9B-4171-855C-7141225C04F0}" type="datetimeFigureOut">
               <a:rPr lang="zh-CN" altLang="en-US" smtClean="0"/>
-              <a:t>2021/10/11</a:t>
+              <a:t>2021/9/29</a:t>
             </a:fld>
             <a:endParaRPr lang="zh-CN" altLang="en-US"/>
           </a:p>
@@ -1834,7 +1820,7 @@
           <a:p>
             <a:fld id="{F88B6D18-BA9B-4171-855C-7141225C04F0}" type="datetimeFigureOut">
               <a:rPr lang="zh-CN" altLang="en-US" smtClean="0"/>
-              <a:t>2021/10/11</a:t>
+              <a:t>2021/9/29</a:t>
             </a:fld>
             <a:endParaRPr lang="zh-CN" altLang="en-US"/>
           </a:p>
@@ -1975,7 +1961,7 @@
           <a:p>
             <a:fld id="{F88B6D18-BA9B-4171-855C-7141225C04F0}" type="datetimeFigureOut">
               <a:rPr lang="zh-CN" altLang="en-US" smtClean="0"/>
-              <a:t>2021/10/11</a:t>
+              <a:t>2021/9/29</a:t>
             </a:fld>
             <a:endParaRPr lang="zh-CN" altLang="en-US"/>
           </a:p>
@@ -2088,7 +2074,7 @@
           <a:p>
             <a:fld id="{F88B6D18-BA9B-4171-855C-7141225C04F0}" type="datetimeFigureOut">
               <a:rPr lang="zh-CN" altLang="en-US" smtClean="0"/>
-              <a:t>2021/10/11</a:t>
+              <a:t>2021/9/29</a:t>
             </a:fld>
             <a:endParaRPr lang="zh-CN" altLang="en-US"/>
           </a:p>
@@ -2399,7 +2385,7 @@
           <a:p>
             <a:fld id="{F88B6D18-BA9B-4171-855C-7141225C04F0}" type="datetimeFigureOut">
               <a:rPr lang="zh-CN" altLang="en-US" smtClean="0"/>
-              <a:t>2021/10/11</a:t>
+              <a:t>2021/9/29</a:t>
             </a:fld>
             <a:endParaRPr lang="zh-CN" altLang="en-US"/>
           </a:p>
@@ -2687,7 +2673,7 @@
           <a:p>
             <a:fld id="{F88B6D18-BA9B-4171-855C-7141225C04F0}" type="datetimeFigureOut">
               <a:rPr lang="zh-CN" altLang="en-US" smtClean="0"/>
-              <a:t>2021/10/11</a:t>
+              <a:t>2021/9/29</a:t>
             </a:fld>
             <a:endParaRPr lang="zh-CN" altLang="en-US"/>
           </a:p>
@@ -2928,7 +2914,7 @@
           <a:p>
             <a:fld id="{F88B6D18-BA9B-4171-855C-7141225C04F0}" type="datetimeFigureOut">
               <a:rPr lang="zh-CN" altLang="en-US" smtClean="0"/>
-              <a:t>2021/10/11</a:t>
+              <a:t>2021/9/29</a:t>
             </a:fld>
             <a:endParaRPr lang="zh-CN" altLang="en-US"/>
           </a:p>
@@ -5560,172 +5546,56 @@
       </p:sp>
       <p:sp>
         <p:nvSpPr>
-          <p:cNvPr id="2" name="文本框 1">
-            <a:extLst>
-              <a:ext uri="{FF2B5EF4-FFF2-40B4-BE49-F238E27FC236}">
-                <a16:creationId xmlns:a16="http://schemas.microsoft.com/office/drawing/2014/main" id="{CB5843D2-8F8B-4F1C-9D16-582B9269A3BC}"/>
-              </a:ext>
-            </a:extLst>
-          </p:cNvPr>
-          <p:cNvSpPr txBox="1"/>
+          <p:cNvPr id="3" name="矩形: 圆角 2">
+            <a:extLst>
+              <a:ext uri="{FF2B5EF4-FFF2-40B4-BE49-F238E27FC236}">
+                <a16:creationId xmlns:a16="http://schemas.microsoft.com/office/drawing/2014/main" id="{648B44F1-E047-48E1-9421-627693CBC9E5}"/>
+              </a:ext>
+            </a:extLst>
+          </p:cNvPr>
+          <p:cNvSpPr/>
           <p:nvPr/>
         </p:nvSpPr>
         <p:spPr>
-          <a:xfrm>
-            <a:off x="618837" y="655781"/>
-            <a:ext cx="2013527" cy="369332"/>
+          <a:xfrm rot="19534821">
+            <a:off x="3841658" y="1471120"/>
+            <a:ext cx="2053227" cy="559519"/>
           </a:xfrm>
-          <a:prstGeom prst="rect">
+          <a:prstGeom prst="roundRect">
             <a:avLst/>
           </a:prstGeom>
-          <a:noFill/>
+          <a:solidFill>
+            <a:srgbClr val="FFC000"/>
+          </a:solidFill>
         </p:spPr>
-        <p:txBody>
-          <a:bodyPr wrap="square" rtlCol="0">
-            <a:spAutoFit/>
-          </a:bodyPr>
-          <a:lstStyle/>
-          <a:p>
-            <a:r>
-              <a:rPr lang="en-US" altLang="zh-CN" dirty="0"/>
-              <a:t>1. </a:t>
-            </a:r>
-            <a:r>
-              <a:rPr lang="zh-CN" altLang="en-US" dirty="0"/>
-              <a:t>数据源管理</a:t>
-            </a:r>
-          </a:p>
-        </p:txBody>
-      </p:sp>
-      <p:pic>
-        <p:nvPicPr>
-          <p:cNvPr id="5" name="图片 4">
-            <a:extLst>
-              <a:ext uri="{FF2B5EF4-FFF2-40B4-BE49-F238E27FC236}">
-                <a16:creationId xmlns:a16="http://schemas.microsoft.com/office/drawing/2014/main" id="{8710CB80-741A-4897-B580-3B41345AC12B}"/>
-              </a:ext>
-            </a:extLst>
-          </p:cNvPr>
-          <p:cNvPicPr>
-            <a:picLocks noChangeAspect="1"/>
-          </p:cNvPicPr>
-          <p:nvPr/>
-        </p:nvPicPr>
-        <p:blipFill>
-          <a:blip r:embed="rId2"/>
-          <a:stretch>
-            <a:fillRect/>
-          </a:stretch>
-        </p:blipFill>
-        <p:spPr>
-          <a:xfrm>
-            <a:off x="489922" y="1099005"/>
-            <a:ext cx="10972800" cy="2920235"/>
-          </a:xfrm>
-          <a:prstGeom prst="rect">
-            <a:avLst/>
-          </a:prstGeom>
-        </p:spPr>
-      </p:pic>
-      <p:pic>
-        <p:nvPicPr>
-          <p:cNvPr id="7" name="图片 6">
-            <a:extLst>
-              <a:ext uri="{FF2B5EF4-FFF2-40B4-BE49-F238E27FC236}">
-                <a16:creationId xmlns:a16="http://schemas.microsoft.com/office/drawing/2014/main" id="{E336233B-7FFD-4261-8FC4-731A819868DA}"/>
-              </a:ext>
-            </a:extLst>
-          </p:cNvPr>
-          <p:cNvPicPr>
-            <a:picLocks noChangeAspect="1"/>
-          </p:cNvPicPr>
-          <p:nvPr/>
-        </p:nvPicPr>
-        <p:blipFill>
-          <a:blip r:embed="rId3"/>
-          <a:stretch>
-            <a:fillRect/>
-          </a:stretch>
-        </p:blipFill>
-        <p:spPr>
-          <a:xfrm>
-            <a:off x="729278" y="3648354"/>
-            <a:ext cx="3944216" cy="2886511"/>
-          </a:xfrm>
-          <a:prstGeom prst="rect">
-            <a:avLst/>
-          </a:prstGeom>
-        </p:spPr>
-      </p:pic>
-      <p:sp>
-        <p:nvSpPr>
-          <p:cNvPr id="9" name="文本框 8">
-            <a:extLst>
-              <a:ext uri="{FF2B5EF4-FFF2-40B4-BE49-F238E27FC236}">
-                <a16:creationId xmlns:a16="http://schemas.microsoft.com/office/drawing/2014/main" id="{CABED41F-560C-4CE5-B201-F0C40BC0BEAD}"/>
-              </a:ext>
-            </a:extLst>
-          </p:cNvPr>
-          <p:cNvSpPr txBox="1"/>
-          <p:nvPr/>
-        </p:nvSpPr>
-        <p:spPr>
-          <a:xfrm>
-            <a:off x="4912850" y="3880694"/>
-            <a:ext cx="6909695" cy="923330"/>
-          </a:xfrm>
-          <a:prstGeom prst="rect">
-            <a:avLst/>
-          </a:prstGeom>
-          <a:noFill/>
-        </p:spPr>
-        <p:txBody>
-          <a:bodyPr wrap="square" rtlCol="0">
-            <a:spAutoFit/>
-          </a:bodyPr>
-          <a:lstStyle/>
-          <a:p>
-            <a:pPr marL="342900" indent="-342900">
-              <a:buAutoNum type="arabicPeriod"/>
-            </a:pPr>
-            <a:r>
-              <a:rPr lang="zh-CN" altLang="en-US" dirty="0"/>
-              <a:t>数据源增删改查</a:t>
-            </a:r>
-            <a:endParaRPr lang="en-US" altLang="zh-CN" dirty="0"/>
-          </a:p>
-          <a:p>
-            <a:pPr marL="342900" indent="-342900">
-              <a:buAutoNum type="arabicPeriod"/>
-            </a:pPr>
-            <a:r>
-              <a:rPr lang="zh-CN" altLang="en-US" dirty="0"/>
-              <a:t>添加数据源类型，支持传统数据库</a:t>
-            </a:r>
-            <a:r>
-              <a:rPr lang="en-US" altLang="zh-CN" dirty="0" err="1"/>
-              <a:t>jdbc</a:t>
-            </a:r>
-            <a:r>
-              <a:rPr lang="en-US" altLang="zh-CN" dirty="0"/>
-              <a:t>,  hive, http(dolphin</a:t>
-            </a:r>
-            <a:r>
-              <a:rPr lang="zh-CN" altLang="en-US" dirty="0"/>
-              <a:t>请求</a:t>
-            </a:r>
-            <a:r>
-              <a:rPr lang="en-US" altLang="zh-CN" dirty="0"/>
-              <a:t>)</a:t>
-            </a:r>
-          </a:p>
-          <a:p>
-            <a:pPr marL="342900" indent="-342900">
-              <a:buAutoNum type="arabicPeriod"/>
-            </a:pPr>
-            <a:r>
-              <a:rPr lang="zh-CN" altLang="en-US" dirty="0"/>
-              <a:t>支持关键字搜索（尽量做成下拉框选择样式）</a:t>
+        <p:style>
+          <a:lnRef idx="2">
+            <a:schemeClr val="accent1">
+              <a:shade val="50000"/>
+            </a:schemeClr>
+          </a:lnRef>
+          <a:fillRef idx="1">
+            <a:schemeClr val="accent1"/>
+          </a:fillRef>
+          <a:effectRef idx="0">
+            <a:schemeClr val="accent1"/>
+          </a:effectRef>
+          <a:fontRef idx="minor">
+            <a:schemeClr val="lt1"/>
+          </a:fontRef>
+        </p:style>
+        <p:txBody>
+          <a:bodyPr rtlCol="0" anchor="ctr"/>
+          <a:lstStyle/>
+          <a:p>
+            <a:pPr algn="ctr"/>
+            <a:r>
+              <a:rPr lang="zh-CN" altLang="en-US" sz="2400" dirty="0">
+                <a:solidFill>
+                  <a:schemeClr val="tx1"/>
+                </a:solidFill>
+              </a:rPr>
+              <a:t>曾庆勇</a:t>
             </a:r>
           </a:p>
         </p:txBody>
@@ -5760,1161 +5630,6 @@
           <a:chExt cx="0" cy="0"/>
         </a:xfrm>
       </p:grpSpPr>
-      <p:pic>
-        <p:nvPicPr>
-          <p:cNvPr id="11" name="图片 10">
-            <a:extLst>
-              <a:ext uri="{FF2B5EF4-FFF2-40B4-BE49-F238E27FC236}">
-                <a16:creationId xmlns:a16="http://schemas.microsoft.com/office/drawing/2014/main" id="{C4A71F0E-BF11-4B3A-85B5-BBBB39F16EEA}"/>
-              </a:ext>
-            </a:extLst>
-          </p:cNvPr>
-          <p:cNvPicPr>
-            <a:picLocks noChangeAspect="1"/>
-          </p:cNvPicPr>
-          <p:nvPr/>
-        </p:nvPicPr>
-        <p:blipFill>
-          <a:blip r:embed="rId2"/>
-          <a:stretch>
-            <a:fillRect/>
-          </a:stretch>
-        </p:blipFill>
-        <p:spPr>
-          <a:xfrm>
-            <a:off x="7825999" y="757382"/>
-            <a:ext cx="4144197" cy="4759758"/>
-          </a:xfrm>
-          <a:prstGeom prst="rect">
-            <a:avLst/>
-          </a:prstGeom>
-        </p:spPr>
-      </p:pic>
-      <p:pic>
-        <p:nvPicPr>
-          <p:cNvPr id="16" name="图片 15">
-            <a:extLst>
-              <a:ext uri="{FF2B5EF4-FFF2-40B4-BE49-F238E27FC236}">
-                <a16:creationId xmlns:a16="http://schemas.microsoft.com/office/drawing/2014/main" id="{53B02EE9-20AF-4CBC-A14A-2976F7CBEA7C}"/>
-              </a:ext>
-            </a:extLst>
-          </p:cNvPr>
-          <p:cNvPicPr>
-            <a:picLocks noChangeAspect="1"/>
-          </p:cNvPicPr>
-          <p:nvPr/>
-        </p:nvPicPr>
-        <p:blipFill>
-          <a:blip r:embed="rId3"/>
-          <a:stretch>
-            <a:fillRect/>
-          </a:stretch>
-        </p:blipFill>
-        <p:spPr>
-          <a:xfrm>
-            <a:off x="402288" y="3337646"/>
-            <a:ext cx="5524500" cy="1457325"/>
-          </a:xfrm>
-          <a:prstGeom prst="rect">
-            <a:avLst/>
-          </a:prstGeom>
-        </p:spPr>
-      </p:pic>
-      <p:sp>
-        <p:nvSpPr>
-          <p:cNvPr id="134" name="文本框 133">
-            <a:extLst>
-              <a:ext uri="{FF2B5EF4-FFF2-40B4-BE49-F238E27FC236}">
-                <a16:creationId xmlns:a16="http://schemas.microsoft.com/office/drawing/2014/main" id="{56B0B4F9-14B4-40B2-BD3D-E8A5F490767C}"/>
-              </a:ext>
-            </a:extLst>
-          </p:cNvPr>
-          <p:cNvSpPr txBox="1"/>
-          <p:nvPr/>
-        </p:nvSpPr>
-        <p:spPr>
-          <a:xfrm>
-            <a:off x="388322" y="96207"/>
-            <a:ext cx="3370878" cy="400110"/>
-          </a:xfrm>
-          <a:prstGeom prst="rect">
-            <a:avLst/>
-          </a:prstGeom>
-          <a:noFill/>
-        </p:spPr>
-        <p:txBody>
-          <a:bodyPr wrap="square" rtlCol="0">
-            <a:spAutoFit/>
-          </a:bodyPr>
-          <a:lstStyle>
-            <a:defPPr>
-              <a:defRPr lang="zh-CN"/>
-            </a:defPPr>
-            <a:lvl1pPr>
-              <a:defRPr sz="2000" b="1">
-                <a:solidFill>
-                  <a:srgbClr val="0070C0"/>
-                </a:solidFill>
-                <a:latin typeface="宋体" panose="02010600030101010101" pitchFamily="2" charset="-122"/>
-                <a:ea typeface="宋体" panose="02010600030101010101" pitchFamily="2" charset="-122"/>
-              </a:defRPr>
-            </a:lvl1pPr>
-          </a:lstStyle>
-          <a:p>
-            <a:r>
-              <a:rPr lang="en-US" altLang="zh-CN" dirty="0" err="1"/>
-              <a:t>pdp</a:t>
-            </a:r>
-            <a:r>
-              <a:rPr lang="zh-CN" altLang="en-US" dirty="0"/>
-              <a:t>数据采集方案</a:t>
-            </a:r>
-            <a:r>
-              <a:rPr lang="en-US" altLang="zh-CN" dirty="0"/>
-              <a:t>/</a:t>
-            </a:r>
-            <a:r>
-              <a:rPr lang="zh-CN" altLang="en-US" dirty="0"/>
-              <a:t>功能：</a:t>
-            </a:r>
-          </a:p>
-        </p:txBody>
-      </p:sp>
-      <p:sp>
-        <p:nvSpPr>
-          <p:cNvPr id="2" name="文本框 1">
-            <a:extLst>
-              <a:ext uri="{FF2B5EF4-FFF2-40B4-BE49-F238E27FC236}">
-                <a16:creationId xmlns:a16="http://schemas.microsoft.com/office/drawing/2014/main" id="{CB5843D2-8F8B-4F1C-9D16-582B9269A3BC}"/>
-              </a:ext>
-            </a:extLst>
-          </p:cNvPr>
-          <p:cNvSpPr txBox="1"/>
-          <p:nvPr/>
-        </p:nvSpPr>
-        <p:spPr>
-          <a:xfrm>
-            <a:off x="618837" y="655781"/>
-            <a:ext cx="2733963" cy="369332"/>
-          </a:xfrm>
-          <a:prstGeom prst="rect">
-            <a:avLst/>
-          </a:prstGeom>
-          <a:noFill/>
-        </p:spPr>
-        <p:txBody>
-          <a:bodyPr wrap="square" rtlCol="0">
-            <a:spAutoFit/>
-          </a:bodyPr>
-          <a:lstStyle/>
-          <a:p>
-            <a:r>
-              <a:rPr lang="en-US" altLang="zh-CN" dirty="0"/>
-              <a:t>2. Dolphin</a:t>
-            </a:r>
-            <a:r>
-              <a:rPr lang="zh-CN" altLang="en-US" dirty="0"/>
-              <a:t>数据采集</a:t>
-            </a:r>
-          </a:p>
-        </p:txBody>
-      </p:sp>
-      <p:sp>
-        <p:nvSpPr>
-          <p:cNvPr id="9" name="文本框 8">
-            <a:extLst>
-              <a:ext uri="{FF2B5EF4-FFF2-40B4-BE49-F238E27FC236}">
-                <a16:creationId xmlns:a16="http://schemas.microsoft.com/office/drawing/2014/main" id="{CABED41F-560C-4CE5-B201-F0C40BC0BEAD}"/>
-              </a:ext>
-            </a:extLst>
-          </p:cNvPr>
-          <p:cNvSpPr txBox="1"/>
-          <p:nvPr/>
-        </p:nvSpPr>
-        <p:spPr>
-          <a:xfrm>
-            <a:off x="5938087" y="4989745"/>
-            <a:ext cx="6253913" cy="1477328"/>
-          </a:xfrm>
-          <a:prstGeom prst="rect">
-            <a:avLst/>
-          </a:prstGeom>
-          <a:noFill/>
-        </p:spPr>
-        <p:txBody>
-          <a:bodyPr wrap="square" rtlCol="0">
-            <a:spAutoFit/>
-          </a:bodyPr>
-          <a:lstStyle/>
-          <a:p>
-            <a:pPr marL="342900" indent="-342900">
-              <a:buAutoNum type="arabicPeriod"/>
-            </a:pPr>
-            <a:r>
-              <a:rPr lang="zh-CN" altLang="en-US" dirty="0"/>
-              <a:t>任务列表增删改查</a:t>
-            </a:r>
-            <a:endParaRPr lang="en-US" altLang="zh-CN" dirty="0"/>
-          </a:p>
-          <a:p>
-            <a:pPr marL="342900" indent="-342900">
-              <a:buAutoNum type="arabicPeriod"/>
-            </a:pPr>
-            <a:r>
-              <a:rPr lang="zh-CN" altLang="en-US" dirty="0"/>
-              <a:t>添加任务页面使用异步请求选择栏，简化输入</a:t>
-            </a:r>
-            <a:endParaRPr lang="en-US" altLang="zh-CN" dirty="0"/>
-          </a:p>
-          <a:p>
-            <a:pPr marL="342900" indent="-342900">
-              <a:buAutoNum type="arabicPeriod"/>
-            </a:pPr>
-            <a:r>
-              <a:rPr lang="zh-CN" altLang="en-US" dirty="0"/>
-              <a:t>支持同步</a:t>
-            </a:r>
-            <a:r>
-              <a:rPr lang="en-US" altLang="zh-CN" dirty="0"/>
-              <a:t>dolphin</a:t>
-            </a:r>
-            <a:r>
-              <a:rPr lang="zh-CN" altLang="en-US" dirty="0"/>
-              <a:t>任务信息，设置按钮使用同步的</a:t>
-            </a:r>
-            <a:r>
-              <a:rPr lang="en-US" altLang="zh-CN" dirty="0"/>
-              <a:t>json</a:t>
-            </a:r>
-            <a:r>
-              <a:rPr lang="zh-CN" altLang="en-US" dirty="0"/>
-              <a:t>生成任务</a:t>
-            </a:r>
-            <a:endParaRPr lang="en-US" altLang="zh-CN" dirty="0"/>
-          </a:p>
-          <a:p>
-            <a:pPr marL="342900" indent="-342900">
-              <a:buAutoNum type="arabicPeriod"/>
-            </a:pPr>
-            <a:r>
-              <a:rPr lang="zh-CN" altLang="en-US" dirty="0"/>
-              <a:t>搜索</a:t>
-            </a:r>
-            <a:r>
-              <a:rPr lang="en-US" altLang="zh-CN" dirty="0" err="1"/>
-              <a:t>dolPhin</a:t>
-            </a:r>
-            <a:r>
-              <a:rPr lang="zh-CN" altLang="en-US" dirty="0"/>
-              <a:t>任务填入任务信息配置表</a:t>
-            </a:r>
-            <a:endParaRPr lang="en-US" altLang="zh-CN" dirty="0"/>
-          </a:p>
-        </p:txBody>
-      </p:sp>
-      <p:pic>
-        <p:nvPicPr>
-          <p:cNvPr id="8" name="图片 7">
-            <a:extLst>
-              <a:ext uri="{FF2B5EF4-FFF2-40B4-BE49-F238E27FC236}">
-                <a16:creationId xmlns:a16="http://schemas.microsoft.com/office/drawing/2014/main" id="{A4B7E57E-8062-4DFB-8476-BF1B6B079E57}"/>
-              </a:ext>
-            </a:extLst>
-          </p:cNvPr>
-          <p:cNvPicPr>
-            <a:picLocks noChangeAspect="1"/>
-          </p:cNvPicPr>
-          <p:nvPr/>
-        </p:nvPicPr>
-        <p:blipFill>
-          <a:blip r:embed="rId4"/>
-          <a:stretch>
-            <a:fillRect/>
-          </a:stretch>
-        </p:blipFill>
-        <p:spPr>
-          <a:xfrm>
-            <a:off x="396269" y="1092213"/>
-            <a:ext cx="6909695" cy="1899988"/>
-          </a:xfrm>
-          <a:prstGeom prst="rect">
-            <a:avLst/>
-          </a:prstGeom>
-        </p:spPr>
-      </p:pic>
-      <p:sp>
-        <p:nvSpPr>
-          <p:cNvPr id="15" name="文本框 14">
-            <a:extLst>
-              <a:ext uri="{FF2B5EF4-FFF2-40B4-BE49-F238E27FC236}">
-                <a16:creationId xmlns:a16="http://schemas.microsoft.com/office/drawing/2014/main" id="{B2126994-DD52-435F-8411-14FA38966BE8}"/>
-              </a:ext>
-            </a:extLst>
-          </p:cNvPr>
-          <p:cNvSpPr txBox="1"/>
-          <p:nvPr/>
-        </p:nvSpPr>
-        <p:spPr>
-          <a:xfrm>
-            <a:off x="4920386" y="4066308"/>
-            <a:ext cx="538305" cy="261610"/>
-          </a:xfrm>
-          <a:prstGeom prst="rect">
-            <a:avLst/>
-          </a:prstGeom>
-          <a:noFill/>
-        </p:spPr>
-        <p:txBody>
-          <a:bodyPr wrap="square" rtlCol="0">
-            <a:spAutoFit/>
-          </a:bodyPr>
-          <a:lstStyle/>
-          <a:p>
-            <a:r>
-              <a:rPr lang="zh-CN" altLang="en-US" sz="1100" dirty="0"/>
-              <a:t>编辑</a:t>
-            </a:r>
-            <a:endParaRPr lang="en-US" altLang="zh-CN" sz="1100" dirty="0"/>
-          </a:p>
-        </p:txBody>
-      </p:sp>
-      <p:sp>
-        <p:nvSpPr>
-          <p:cNvPr id="17" name="矩形 16">
-            <a:extLst>
-              <a:ext uri="{FF2B5EF4-FFF2-40B4-BE49-F238E27FC236}">
-                <a16:creationId xmlns:a16="http://schemas.microsoft.com/office/drawing/2014/main" id="{D6CA562D-E0F9-4DB2-B0B6-3C866596F720}"/>
-              </a:ext>
-            </a:extLst>
-          </p:cNvPr>
-          <p:cNvSpPr/>
-          <p:nvPr/>
-        </p:nvSpPr>
-        <p:spPr>
-          <a:xfrm>
-            <a:off x="4717704" y="4066308"/>
-            <a:ext cx="871696" cy="220609"/>
-          </a:xfrm>
-          <a:prstGeom prst="rect">
-            <a:avLst/>
-          </a:prstGeom>
-          <a:noFill/>
-          <a:ln>
-            <a:solidFill>
-              <a:schemeClr val="tx1"/>
-            </a:solidFill>
-          </a:ln>
-        </p:spPr>
-        <p:style>
-          <a:lnRef idx="2">
-            <a:schemeClr val="accent1">
-              <a:shade val="50000"/>
-            </a:schemeClr>
-          </a:lnRef>
-          <a:fillRef idx="1">
-            <a:schemeClr val="accent1"/>
-          </a:fillRef>
-          <a:effectRef idx="0">
-            <a:schemeClr val="accent1"/>
-          </a:effectRef>
-          <a:fontRef idx="minor">
-            <a:schemeClr val="lt1"/>
-          </a:fontRef>
-        </p:style>
-        <p:txBody>
-          <a:bodyPr rtlCol="0" anchor="ctr"/>
-          <a:lstStyle/>
-          <a:p>
-            <a:pPr algn="ctr"/>
-            <a:endParaRPr lang="zh-CN" altLang="en-US"/>
-          </a:p>
-        </p:txBody>
-      </p:sp>
-      <p:sp>
-        <p:nvSpPr>
-          <p:cNvPr id="19" name="矩形 18">
-            <a:extLst>
-              <a:ext uri="{FF2B5EF4-FFF2-40B4-BE49-F238E27FC236}">
-                <a16:creationId xmlns:a16="http://schemas.microsoft.com/office/drawing/2014/main" id="{EEB0846B-888A-4D71-8509-A1770C1D15F4}"/>
-              </a:ext>
-            </a:extLst>
-          </p:cNvPr>
-          <p:cNvSpPr/>
-          <p:nvPr/>
-        </p:nvSpPr>
-        <p:spPr>
-          <a:xfrm>
-            <a:off x="4717704" y="4066308"/>
-            <a:ext cx="871696" cy="1350856"/>
-          </a:xfrm>
-          <a:prstGeom prst="rect">
-            <a:avLst/>
-          </a:prstGeom>
-          <a:noFill/>
-          <a:ln>
-            <a:solidFill>
-              <a:schemeClr val="tx1"/>
-            </a:solidFill>
-          </a:ln>
-        </p:spPr>
-        <p:style>
-          <a:lnRef idx="2">
-            <a:schemeClr val="accent1">
-              <a:shade val="50000"/>
-            </a:schemeClr>
-          </a:lnRef>
-          <a:fillRef idx="1">
-            <a:schemeClr val="accent1"/>
-          </a:fillRef>
-          <a:effectRef idx="0">
-            <a:schemeClr val="accent1"/>
-          </a:effectRef>
-          <a:fontRef idx="minor">
-            <a:schemeClr val="lt1"/>
-          </a:fontRef>
-        </p:style>
-        <p:txBody>
-          <a:bodyPr rtlCol="0" anchor="ctr"/>
-          <a:lstStyle/>
-          <a:p>
-            <a:pPr algn="ctr"/>
-            <a:endParaRPr lang="zh-CN" altLang="en-US"/>
-          </a:p>
-        </p:txBody>
-      </p:sp>
-      <p:sp>
-        <p:nvSpPr>
-          <p:cNvPr id="20" name="文本框 19">
-            <a:extLst>
-              <a:ext uri="{FF2B5EF4-FFF2-40B4-BE49-F238E27FC236}">
-                <a16:creationId xmlns:a16="http://schemas.microsoft.com/office/drawing/2014/main" id="{37B635DC-E9ED-4536-8428-0980007553CF}"/>
-              </a:ext>
-            </a:extLst>
-          </p:cNvPr>
-          <p:cNvSpPr txBox="1"/>
-          <p:nvPr/>
-        </p:nvSpPr>
-        <p:spPr>
-          <a:xfrm>
-            <a:off x="4920386" y="4286917"/>
-            <a:ext cx="538305" cy="261610"/>
-          </a:xfrm>
-          <a:prstGeom prst="rect">
-            <a:avLst/>
-          </a:prstGeom>
-          <a:noFill/>
-        </p:spPr>
-        <p:txBody>
-          <a:bodyPr wrap="square" rtlCol="0">
-            <a:spAutoFit/>
-          </a:bodyPr>
-          <a:lstStyle/>
-          <a:p>
-            <a:r>
-              <a:rPr lang="zh-CN" altLang="en-US" sz="1100" dirty="0"/>
-              <a:t>删除</a:t>
-            </a:r>
-            <a:endParaRPr lang="en-US" altLang="zh-CN" sz="1100" dirty="0"/>
-          </a:p>
-        </p:txBody>
-      </p:sp>
-      <p:sp>
-        <p:nvSpPr>
-          <p:cNvPr id="21" name="矩形 20">
-            <a:extLst>
-              <a:ext uri="{FF2B5EF4-FFF2-40B4-BE49-F238E27FC236}">
-                <a16:creationId xmlns:a16="http://schemas.microsoft.com/office/drawing/2014/main" id="{C49F7063-0EAE-4524-A02C-E6093CA65D7B}"/>
-              </a:ext>
-            </a:extLst>
-          </p:cNvPr>
-          <p:cNvSpPr/>
-          <p:nvPr/>
-        </p:nvSpPr>
-        <p:spPr>
-          <a:xfrm>
-            <a:off x="4717704" y="4286917"/>
-            <a:ext cx="871696" cy="220609"/>
-          </a:xfrm>
-          <a:prstGeom prst="rect">
-            <a:avLst/>
-          </a:prstGeom>
-          <a:noFill/>
-          <a:ln>
-            <a:solidFill>
-              <a:schemeClr val="tx1"/>
-            </a:solidFill>
-          </a:ln>
-        </p:spPr>
-        <p:style>
-          <a:lnRef idx="2">
-            <a:schemeClr val="accent1">
-              <a:shade val="50000"/>
-            </a:schemeClr>
-          </a:lnRef>
-          <a:fillRef idx="1">
-            <a:schemeClr val="accent1"/>
-          </a:fillRef>
-          <a:effectRef idx="0">
-            <a:schemeClr val="accent1"/>
-          </a:effectRef>
-          <a:fontRef idx="minor">
-            <a:schemeClr val="lt1"/>
-          </a:fontRef>
-        </p:style>
-        <p:txBody>
-          <a:bodyPr rtlCol="0" anchor="ctr"/>
-          <a:lstStyle/>
-          <a:p>
-            <a:pPr algn="ctr"/>
-            <a:endParaRPr lang="zh-CN" altLang="en-US"/>
-          </a:p>
-        </p:txBody>
-      </p:sp>
-      <p:sp>
-        <p:nvSpPr>
-          <p:cNvPr id="22" name="文本框 21">
-            <a:extLst>
-              <a:ext uri="{FF2B5EF4-FFF2-40B4-BE49-F238E27FC236}">
-                <a16:creationId xmlns:a16="http://schemas.microsoft.com/office/drawing/2014/main" id="{E37C5158-3D4B-4D66-86B2-9CCCE0D52798}"/>
-              </a:ext>
-            </a:extLst>
-          </p:cNvPr>
-          <p:cNvSpPr txBox="1"/>
-          <p:nvPr/>
-        </p:nvSpPr>
-        <p:spPr>
-          <a:xfrm>
-            <a:off x="4855031" y="4507526"/>
-            <a:ext cx="669014" cy="261610"/>
-          </a:xfrm>
-          <a:prstGeom prst="rect">
-            <a:avLst/>
-          </a:prstGeom>
-          <a:noFill/>
-        </p:spPr>
-        <p:txBody>
-          <a:bodyPr wrap="square" rtlCol="0">
-            <a:spAutoFit/>
-          </a:bodyPr>
-          <a:lstStyle/>
-          <a:p>
-            <a:r>
-              <a:rPr lang="zh-CN" altLang="en-US" sz="1100" dirty="0"/>
-              <a:t>上</a:t>
-            </a:r>
-            <a:r>
-              <a:rPr lang="en-US" altLang="zh-CN" sz="1100" dirty="0"/>
-              <a:t>/</a:t>
-            </a:r>
-            <a:r>
-              <a:rPr lang="zh-CN" altLang="en-US" sz="1100" dirty="0"/>
-              <a:t>下线</a:t>
-            </a:r>
-            <a:endParaRPr lang="en-US" altLang="zh-CN" sz="1100" dirty="0"/>
-          </a:p>
-        </p:txBody>
-      </p:sp>
-      <p:sp>
-        <p:nvSpPr>
-          <p:cNvPr id="23" name="矩形 22">
-            <a:extLst>
-              <a:ext uri="{FF2B5EF4-FFF2-40B4-BE49-F238E27FC236}">
-                <a16:creationId xmlns:a16="http://schemas.microsoft.com/office/drawing/2014/main" id="{EE61BF86-7EEE-4AB3-8180-93D657DC8F27}"/>
-              </a:ext>
-            </a:extLst>
-          </p:cNvPr>
-          <p:cNvSpPr/>
-          <p:nvPr/>
-        </p:nvSpPr>
-        <p:spPr>
-          <a:xfrm>
-            <a:off x="4717704" y="4507526"/>
-            <a:ext cx="871696" cy="220609"/>
-          </a:xfrm>
-          <a:prstGeom prst="rect">
-            <a:avLst/>
-          </a:prstGeom>
-          <a:noFill/>
-          <a:ln>
-            <a:solidFill>
-              <a:schemeClr val="tx1"/>
-            </a:solidFill>
-          </a:ln>
-        </p:spPr>
-        <p:style>
-          <a:lnRef idx="2">
-            <a:schemeClr val="accent1">
-              <a:shade val="50000"/>
-            </a:schemeClr>
-          </a:lnRef>
-          <a:fillRef idx="1">
-            <a:schemeClr val="accent1"/>
-          </a:fillRef>
-          <a:effectRef idx="0">
-            <a:schemeClr val="accent1"/>
-          </a:effectRef>
-          <a:fontRef idx="minor">
-            <a:schemeClr val="lt1"/>
-          </a:fontRef>
-        </p:style>
-        <p:txBody>
-          <a:bodyPr rtlCol="0" anchor="ctr"/>
-          <a:lstStyle/>
-          <a:p>
-            <a:pPr algn="ctr"/>
-            <a:endParaRPr lang="zh-CN" altLang="en-US"/>
-          </a:p>
-        </p:txBody>
-      </p:sp>
-      <p:sp>
-        <p:nvSpPr>
-          <p:cNvPr id="24" name="文本框 23">
-            <a:extLst>
-              <a:ext uri="{FF2B5EF4-FFF2-40B4-BE49-F238E27FC236}">
-                <a16:creationId xmlns:a16="http://schemas.microsoft.com/office/drawing/2014/main" id="{9BC15506-E871-4175-B94D-6A975AAF9401}"/>
-              </a:ext>
-            </a:extLst>
-          </p:cNvPr>
-          <p:cNvSpPr txBox="1"/>
-          <p:nvPr/>
-        </p:nvSpPr>
-        <p:spPr>
-          <a:xfrm>
-            <a:off x="4920386" y="4728135"/>
-            <a:ext cx="538305" cy="261610"/>
-          </a:xfrm>
-          <a:prstGeom prst="rect">
-            <a:avLst/>
-          </a:prstGeom>
-          <a:noFill/>
-        </p:spPr>
-        <p:txBody>
-          <a:bodyPr wrap="square" rtlCol="0">
-            <a:spAutoFit/>
-          </a:bodyPr>
-          <a:lstStyle/>
-          <a:p>
-            <a:r>
-              <a:rPr lang="zh-CN" altLang="en-US" sz="1100" dirty="0"/>
-              <a:t>同步</a:t>
-            </a:r>
-            <a:endParaRPr lang="en-US" altLang="zh-CN" sz="1100" dirty="0"/>
-          </a:p>
-        </p:txBody>
-      </p:sp>
-      <p:sp>
-        <p:nvSpPr>
-          <p:cNvPr id="25" name="矩形 24">
-            <a:extLst>
-              <a:ext uri="{FF2B5EF4-FFF2-40B4-BE49-F238E27FC236}">
-                <a16:creationId xmlns:a16="http://schemas.microsoft.com/office/drawing/2014/main" id="{BF77CB83-5FA2-4484-8E75-2857942EDA3F}"/>
-              </a:ext>
-            </a:extLst>
-          </p:cNvPr>
-          <p:cNvSpPr/>
-          <p:nvPr/>
-        </p:nvSpPr>
-        <p:spPr>
-          <a:xfrm>
-            <a:off x="4717704" y="4728135"/>
-            <a:ext cx="871696" cy="220609"/>
-          </a:xfrm>
-          <a:prstGeom prst="rect">
-            <a:avLst/>
-          </a:prstGeom>
-          <a:noFill/>
-          <a:ln>
-            <a:solidFill>
-              <a:schemeClr val="tx1"/>
-            </a:solidFill>
-          </a:ln>
-        </p:spPr>
-        <p:style>
-          <a:lnRef idx="2">
-            <a:schemeClr val="accent1">
-              <a:shade val="50000"/>
-            </a:schemeClr>
-          </a:lnRef>
-          <a:fillRef idx="1">
-            <a:schemeClr val="accent1"/>
-          </a:fillRef>
-          <a:effectRef idx="0">
-            <a:schemeClr val="accent1"/>
-          </a:effectRef>
-          <a:fontRef idx="minor">
-            <a:schemeClr val="lt1"/>
-          </a:fontRef>
-        </p:style>
-        <p:txBody>
-          <a:bodyPr rtlCol="0" anchor="ctr"/>
-          <a:lstStyle/>
-          <a:p>
-            <a:pPr algn="ctr"/>
-            <a:endParaRPr lang="zh-CN" altLang="en-US"/>
-          </a:p>
-        </p:txBody>
-      </p:sp>
-      <p:sp>
-        <p:nvSpPr>
-          <p:cNvPr id="26" name="文本框 25">
-            <a:extLst>
-              <a:ext uri="{FF2B5EF4-FFF2-40B4-BE49-F238E27FC236}">
-                <a16:creationId xmlns:a16="http://schemas.microsoft.com/office/drawing/2014/main" id="{114F27A6-F496-43AA-B12B-CF9378A88EF7}"/>
-              </a:ext>
-            </a:extLst>
-          </p:cNvPr>
-          <p:cNvSpPr txBox="1"/>
-          <p:nvPr/>
-        </p:nvSpPr>
-        <p:spPr>
-          <a:xfrm>
-            <a:off x="4717704" y="4928324"/>
-            <a:ext cx="1414165" cy="261610"/>
-          </a:xfrm>
-          <a:prstGeom prst="rect">
-            <a:avLst/>
-          </a:prstGeom>
-          <a:noFill/>
-        </p:spPr>
-        <p:txBody>
-          <a:bodyPr wrap="square" rtlCol="0">
-            <a:spAutoFit/>
-          </a:bodyPr>
-          <a:lstStyle/>
-          <a:p>
-            <a:r>
-              <a:rPr lang="zh-CN" altLang="en-US" sz="1100" dirty="0"/>
-              <a:t>删除</a:t>
-            </a:r>
-            <a:r>
-              <a:rPr lang="en-US" altLang="zh-CN" sz="1100" dirty="0"/>
-              <a:t>dolphin</a:t>
-            </a:r>
-            <a:r>
-              <a:rPr lang="zh-CN" altLang="en-US" sz="1100" dirty="0"/>
-              <a:t>任务</a:t>
-            </a:r>
-            <a:endParaRPr lang="en-US" altLang="zh-CN" sz="1100" dirty="0"/>
-          </a:p>
-        </p:txBody>
-      </p:sp>
-      <p:sp>
-        <p:nvSpPr>
-          <p:cNvPr id="27" name="矩形 26">
-            <a:extLst>
-              <a:ext uri="{FF2B5EF4-FFF2-40B4-BE49-F238E27FC236}">
-                <a16:creationId xmlns:a16="http://schemas.microsoft.com/office/drawing/2014/main" id="{F8463EE5-5756-467C-AB34-01618953098C}"/>
-              </a:ext>
-            </a:extLst>
-          </p:cNvPr>
-          <p:cNvSpPr/>
-          <p:nvPr/>
-        </p:nvSpPr>
-        <p:spPr>
-          <a:xfrm>
-            <a:off x="4727640" y="4948744"/>
-            <a:ext cx="871696" cy="220609"/>
-          </a:xfrm>
-          <a:prstGeom prst="rect">
-            <a:avLst/>
-          </a:prstGeom>
-          <a:noFill/>
-          <a:ln>
-            <a:solidFill>
-              <a:schemeClr val="tx1"/>
-            </a:solidFill>
-          </a:ln>
-        </p:spPr>
-        <p:style>
-          <a:lnRef idx="2">
-            <a:schemeClr val="accent1">
-              <a:shade val="50000"/>
-            </a:schemeClr>
-          </a:lnRef>
-          <a:fillRef idx="1">
-            <a:schemeClr val="accent1"/>
-          </a:fillRef>
-          <a:effectRef idx="0">
-            <a:schemeClr val="accent1"/>
-          </a:effectRef>
-          <a:fontRef idx="minor">
-            <a:schemeClr val="lt1"/>
-          </a:fontRef>
-        </p:style>
-        <p:txBody>
-          <a:bodyPr rtlCol="0" anchor="ctr"/>
-          <a:lstStyle/>
-          <a:p>
-            <a:pPr algn="ctr"/>
-            <a:endParaRPr lang="zh-CN" altLang="en-US"/>
-          </a:p>
-        </p:txBody>
-      </p:sp>
-      <p:sp>
-        <p:nvSpPr>
-          <p:cNvPr id="28" name="文本框 27">
-            <a:extLst>
-              <a:ext uri="{FF2B5EF4-FFF2-40B4-BE49-F238E27FC236}">
-                <a16:creationId xmlns:a16="http://schemas.microsoft.com/office/drawing/2014/main" id="{3B0A70D3-C6FF-4AE8-BDD9-317E34DCF9DC}"/>
-              </a:ext>
-            </a:extLst>
-          </p:cNvPr>
-          <p:cNvSpPr txBox="1"/>
-          <p:nvPr/>
-        </p:nvSpPr>
-        <p:spPr>
-          <a:xfrm>
-            <a:off x="4723221" y="5155554"/>
-            <a:ext cx="1414165" cy="261610"/>
-          </a:xfrm>
-          <a:prstGeom prst="rect">
-            <a:avLst/>
-          </a:prstGeom>
-          <a:noFill/>
-        </p:spPr>
-        <p:txBody>
-          <a:bodyPr wrap="square" rtlCol="0">
-            <a:spAutoFit/>
-          </a:bodyPr>
-          <a:lstStyle/>
-          <a:p>
-            <a:r>
-              <a:rPr lang="zh-CN" altLang="en-US" sz="1100" dirty="0"/>
-              <a:t>创建</a:t>
-            </a:r>
-            <a:r>
-              <a:rPr lang="en-US" altLang="zh-CN" sz="1100" dirty="0"/>
-              <a:t>dolphin</a:t>
-            </a:r>
-            <a:r>
-              <a:rPr lang="zh-CN" altLang="en-US" sz="1100" dirty="0"/>
-              <a:t>任务</a:t>
-            </a:r>
-            <a:endParaRPr lang="en-US" altLang="zh-CN" sz="1100" dirty="0"/>
-          </a:p>
-        </p:txBody>
-      </p:sp>
-      <p:sp>
-        <p:nvSpPr>
-          <p:cNvPr id="29" name="矩形 28">
-            <a:extLst>
-              <a:ext uri="{FF2B5EF4-FFF2-40B4-BE49-F238E27FC236}">
-                <a16:creationId xmlns:a16="http://schemas.microsoft.com/office/drawing/2014/main" id="{3E03A1D3-2AE6-46BB-9901-E452EB3F1A49}"/>
-              </a:ext>
-            </a:extLst>
-          </p:cNvPr>
-          <p:cNvSpPr/>
-          <p:nvPr/>
-        </p:nvSpPr>
-        <p:spPr>
-          <a:xfrm>
-            <a:off x="4733157" y="5175974"/>
-            <a:ext cx="871696" cy="220609"/>
-          </a:xfrm>
-          <a:prstGeom prst="rect">
-            <a:avLst/>
-          </a:prstGeom>
-          <a:noFill/>
-          <a:ln>
-            <a:solidFill>
-              <a:schemeClr val="tx1"/>
-            </a:solidFill>
-          </a:ln>
-        </p:spPr>
-        <p:style>
-          <a:lnRef idx="2">
-            <a:schemeClr val="accent1">
-              <a:shade val="50000"/>
-            </a:schemeClr>
-          </a:lnRef>
-          <a:fillRef idx="1">
-            <a:schemeClr val="accent1"/>
-          </a:fillRef>
-          <a:effectRef idx="0">
-            <a:schemeClr val="accent1"/>
-          </a:effectRef>
-          <a:fontRef idx="minor">
-            <a:schemeClr val="lt1"/>
-          </a:fontRef>
-        </p:style>
-        <p:txBody>
-          <a:bodyPr rtlCol="0" anchor="ctr"/>
-          <a:lstStyle/>
-          <a:p>
-            <a:pPr algn="ctr"/>
-            <a:endParaRPr lang="zh-CN" altLang="en-US"/>
-          </a:p>
-        </p:txBody>
-      </p:sp>
-      <p:cxnSp>
-        <p:nvCxnSpPr>
-          <p:cNvPr id="4" name="连接符: 曲线 3">
-            <a:extLst>
-              <a:ext uri="{FF2B5EF4-FFF2-40B4-BE49-F238E27FC236}">
-                <a16:creationId xmlns:a16="http://schemas.microsoft.com/office/drawing/2014/main" id="{75173CB9-AA3C-40A6-B8A0-13C3367B1B8B}"/>
-              </a:ext>
-            </a:extLst>
-          </p:cNvPr>
-          <p:cNvCxnSpPr/>
-          <p:nvPr/>
-        </p:nvCxnSpPr>
-        <p:spPr>
-          <a:xfrm rot="10800000">
-            <a:off x="6677891" y="2475345"/>
-            <a:ext cx="4729018" cy="2694008"/>
-          </a:xfrm>
-          <a:prstGeom prst="curvedConnector3">
-            <a:avLst/>
-          </a:prstGeom>
-          <a:ln>
-            <a:tailEnd type="triangle"/>
-          </a:ln>
-        </p:spPr>
-        <p:style>
-          <a:lnRef idx="1">
-            <a:schemeClr val="accent1"/>
-          </a:lnRef>
-          <a:fillRef idx="0">
-            <a:schemeClr val="accent1"/>
-          </a:fillRef>
-          <a:effectRef idx="0">
-            <a:schemeClr val="accent1"/>
-          </a:effectRef>
-          <a:fontRef idx="minor">
-            <a:schemeClr val="tx1"/>
-          </a:fontRef>
-        </p:style>
-      </p:cxnSp>
-      <p:cxnSp>
-        <p:nvCxnSpPr>
-          <p:cNvPr id="6" name="连接符: 曲线 5">
-            <a:extLst>
-              <a:ext uri="{FF2B5EF4-FFF2-40B4-BE49-F238E27FC236}">
-                <a16:creationId xmlns:a16="http://schemas.microsoft.com/office/drawing/2014/main" id="{4377756A-C0CE-45BD-87FC-A6E1FB22F0B5}"/>
-              </a:ext>
-            </a:extLst>
-          </p:cNvPr>
-          <p:cNvCxnSpPr>
-            <a:endCxn id="22" idx="3"/>
-          </p:cNvCxnSpPr>
-          <p:nvPr/>
-        </p:nvCxnSpPr>
-        <p:spPr>
-          <a:xfrm rot="5400000">
-            <a:off x="4981831" y="3017560"/>
-            <a:ext cx="2162986" cy="1078557"/>
-          </a:xfrm>
-          <a:prstGeom prst="curvedConnector2">
-            <a:avLst/>
-          </a:prstGeom>
-          <a:ln>
-            <a:tailEnd type="triangle"/>
-          </a:ln>
-        </p:spPr>
-        <p:style>
-          <a:lnRef idx="1">
-            <a:schemeClr val="accent1"/>
-          </a:lnRef>
-          <a:fillRef idx="0">
-            <a:schemeClr val="accent1"/>
-          </a:fillRef>
-          <a:effectRef idx="0">
-            <a:schemeClr val="accent1"/>
-          </a:effectRef>
-          <a:fontRef idx="minor">
-            <a:schemeClr val="tx1"/>
-          </a:fontRef>
-        </p:style>
-      </p:cxnSp>
-      <p:pic>
-        <p:nvPicPr>
-          <p:cNvPr id="10" name="图片 9">
-            <a:extLst>
-              <a:ext uri="{FF2B5EF4-FFF2-40B4-BE49-F238E27FC236}">
-                <a16:creationId xmlns:a16="http://schemas.microsoft.com/office/drawing/2014/main" id="{CD6C3341-505B-4727-A7DE-169CE590F143}"/>
-              </a:ext>
-            </a:extLst>
-          </p:cNvPr>
-          <p:cNvPicPr>
-            <a:picLocks noChangeAspect="1"/>
-          </p:cNvPicPr>
-          <p:nvPr/>
-        </p:nvPicPr>
-        <p:blipFill>
-          <a:blip r:embed="rId5"/>
-          <a:stretch>
-            <a:fillRect/>
-          </a:stretch>
-        </p:blipFill>
-        <p:spPr>
-          <a:xfrm>
-            <a:off x="654996" y="5417164"/>
-            <a:ext cx="1905000" cy="476250"/>
-          </a:xfrm>
-          <a:prstGeom prst="rect">
-            <a:avLst/>
-          </a:prstGeom>
-        </p:spPr>
-      </p:pic>
-      <p:cxnSp>
-        <p:nvCxnSpPr>
-          <p:cNvPr id="13" name="连接符: 曲线 12">
-            <a:extLst>
-              <a:ext uri="{FF2B5EF4-FFF2-40B4-BE49-F238E27FC236}">
-                <a16:creationId xmlns:a16="http://schemas.microsoft.com/office/drawing/2014/main" id="{37ECA506-F8CB-49D2-95F9-187A9C7D4F0C}"/>
-              </a:ext>
-            </a:extLst>
-          </p:cNvPr>
-          <p:cNvCxnSpPr>
-            <a:endCxn id="10" idx="3"/>
-          </p:cNvCxnSpPr>
-          <p:nvPr/>
-        </p:nvCxnSpPr>
-        <p:spPr>
-          <a:xfrm rot="10800000" flipV="1">
-            <a:off x="2559997" y="4617829"/>
-            <a:ext cx="2295035" cy="1037459"/>
-          </a:xfrm>
-          <a:prstGeom prst="curvedConnector3">
-            <a:avLst/>
-          </a:prstGeom>
-          <a:ln>
-            <a:tailEnd type="triangle"/>
-          </a:ln>
-        </p:spPr>
-        <p:style>
-          <a:lnRef idx="1">
-            <a:schemeClr val="accent1"/>
-          </a:lnRef>
-          <a:fillRef idx="0">
-            <a:schemeClr val="accent1"/>
-          </a:fillRef>
-          <a:effectRef idx="0">
-            <a:schemeClr val="accent1"/>
-          </a:effectRef>
-          <a:fontRef idx="minor">
-            <a:schemeClr val="tx1"/>
-          </a:fontRef>
-        </p:style>
-      </p:cxnSp>
-      <p:cxnSp>
-        <p:nvCxnSpPr>
-          <p:cNvPr id="34" name="连接符: 曲线 33">
-            <a:extLst>
-              <a:ext uri="{FF2B5EF4-FFF2-40B4-BE49-F238E27FC236}">
-                <a16:creationId xmlns:a16="http://schemas.microsoft.com/office/drawing/2014/main" id="{FF8067F4-6DB7-43A2-9545-7614F1E11372}"/>
-              </a:ext>
-            </a:extLst>
-          </p:cNvPr>
-          <p:cNvCxnSpPr>
-            <a:stCxn id="25" idx="1"/>
-          </p:cNvCxnSpPr>
-          <p:nvPr/>
-        </p:nvCxnSpPr>
-        <p:spPr>
-          <a:xfrm rot="10800000">
-            <a:off x="1256146" y="4176612"/>
-            <a:ext cx="3461559" cy="661828"/>
-          </a:xfrm>
-          <a:prstGeom prst="curvedConnector3">
-            <a:avLst/>
-          </a:prstGeom>
-          <a:ln>
-            <a:solidFill>
-              <a:srgbClr val="00B050"/>
-            </a:solidFill>
-            <a:tailEnd type="triangle"/>
-          </a:ln>
-        </p:spPr>
-        <p:style>
-          <a:lnRef idx="1">
-            <a:schemeClr val="accent1"/>
-          </a:lnRef>
-          <a:fillRef idx="0">
-            <a:schemeClr val="accent1"/>
-          </a:fillRef>
-          <a:effectRef idx="0">
-            <a:schemeClr val="accent1"/>
-          </a:effectRef>
-          <a:fontRef idx="minor">
-            <a:schemeClr val="tx1"/>
-          </a:fontRef>
-        </p:style>
-      </p:cxnSp>
-      <p:cxnSp>
-        <p:nvCxnSpPr>
-          <p:cNvPr id="38" name="连接符: 曲线 37">
-            <a:extLst>
-              <a:ext uri="{FF2B5EF4-FFF2-40B4-BE49-F238E27FC236}">
-                <a16:creationId xmlns:a16="http://schemas.microsoft.com/office/drawing/2014/main" id="{BB6C98C4-51D5-4EB7-8A87-BA56E8984710}"/>
-              </a:ext>
-            </a:extLst>
-          </p:cNvPr>
-          <p:cNvCxnSpPr>
-            <a:stCxn id="10" idx="0"/>
-          </p:cNvCxnSpPr>
-          <p:nvPr/>
-        </p:nvCxnSpPr>
-        <p:spPr>
-          <a:xfrm rot="16200000" flipV="1">
-            <a:off x="811545" y="4621212"/>
-            <a:ext cx="1240552" cy="351351"/>
-          </a:xfrm>
-          <a:prstGeom prst="curvedConnector3">
-            <a:avLst/>
-          </a:prstGeom>
-          <a:ln>
-            <a:solidFill>
-              <a:srgbClr val="00B050"/>
-            </a:solidFill>
-            <a:tailEnd type="triangle"/>
-          </a:ln>
-        </p:spPr>
-        <p:style>
-          <a:lnRef idx="1">
-            <a:schemeClr val="accent1"/>
-          </a:lnRef>
-          <a:fillRef idx="0">
-            <a:schemeClr val="accent1"/>
-          </a:fillRef>
-          <a:effectRef idx="0">
-            <a:schemeClr val="accent1"/>
-          </a:effectRef>
-          <a:fontRef idx="minor">
-            <a:schemeClr val="tx1"/>
-          </a:fontRef>
-        </p:style>
-      </p:cxnSp>
-    </p:spTree>
-    <p:extLst>
-      <p:ext uri="{BB962C8B-B14F-4D97-AF65-F5344CB8AC3E}">
-        <p14:creationId xmlns:p14="http://schemas.microsoft.com/office/powerpoint/2010/main" val="857606806"/>
-      </p:ext>
-    </p:extLst>
-  </p:cSld>
-  <p:clrMapOvr>
-    <a:masterClrMapping/>
-  </p:clrMapOvr>
-</p:sld>
-</file>
-
-<file path=ppt/slides/slide5.xml><?xml version="1.0" encoding="utf-8"?>
-<p:sld xmlns:a="http://schemas.openxmlformats.org/drawingml/2006/main" xmlns:r="http://schemas.openxmlformats.org/officeDocument/2006/relationships" xmlns:p="http://schemas.openxmlformats.org/presentationml/2006/main">
-  <p:cSld>
-    <p:spTree>
-      <p:nvGrpSpPr>
-        <p:cNvPr id="1" name=""/>
-        <p:cNvGrpSpPr/>
-        <p:nvPr/>
-      </p:nvGrpSpPr>
-      <p:grpSpPr>
-        <a:xfrm>
-          <a:off x="0" y="0"/>
-          <a:ext cx="0" cy="0"/>
-          <a:chOff x="0" y="0"/>
-          <a:chExt cx="0" cy="0"/>
-        </a:xfrm>
-      </p:grpSpPr>
       <p:sp>
         <p:nvSpPr>
           <p:cNvPr id="134" name="文本框 133">
@@ -7044,7 +5759,7 @@
 </p:sld>
 </file>
 
-<file path=ppt/slides/slide6.xml><?xml version="1.0" encoding="utf-8"?>
+<file path=ppt/slides/slide5.xml><?xml version="1.0" encoding="utf-8"?>
 <p:sld xmlns:a="http://schemas.openxmlformats.org/drawingml/2006/main" xmlns:r="http://schemas.openxmlformats.org/officeDocument/2006/relationships" xmlns:p="http://schemas.openxmlformats.org/presentationml/2006/main">
   <p:cSld>
     <p:spTree>
@@ -7194,7 +5909,7 @@
 </p:sld>
 </file>
 
-<file path=ppt/slides/slide7.xml><?xml version="1.0" encoding="utf-8"?>
+<file path=ppt/slides/slide6.xml><?xml version="1.0" encoding="utf-8"?>
 <p:sld xmlns:a="http://schemas.openxmlformats.org/drawingml/2006/main" xmlns:r="http://schemas.openxmlformats.org/officeDocument/2006/relationships" xmlns:p="http://schemas.openxmlformats.org/presentationml/2006/main">
   <p:cSld>
     <p:spTree>
@@ -7339,351 +6054,6 @@
     <p:extLst>
       <p:ext uri="{BB962C8B-B14F-4D97-AF65-F5344CB8AC3E}">
         <p14:creationId xmlns:p14="http://schemas.microsoft.com/office/powerpoint/2010/main" val="409230286"/>
-      </p:ext>
-    </p:extLst>
-  </p:cSld>
-  <p:clrMapOvr>
-    <a:masterClrMapping/>
-  </p:clrMapOvr>
-</p:sld>
-</file>
-
-<file path=ppt/slides/slide8.xml><?xml version="1.0" encoding="utf-8"?>
-<p:sld xmlns:a="http://schemas.openxmlformats.org/drawingml/2006/main" xmlns:r="http://schemas.openxmlformats.org/officeDocument/2006/relationships" xmlns:p="http://schemas.openxmlformats.org/presentationml/2006/main">
-  <p:cSld>
-    <p:spTree>
-      <p:nvGrpSpPr>
-        <p:cNvPr id="1" name=""/>
-        <p:cNvGrpSpPr/>
-        <p:nvPr/>
-      </p:nvGrpSpPr>
-      <p:grpSpPr>
-        <a:xfrm>
-          <a:off x="0" y="0"/>
-          <a:ext cx="0" cy="0"/>
-          <a:chOff x="0" y="0"/>
-          <a:chExt cx="0" cy="0"/>
-        </a:xfrm>
-      </p:grpSpPr>
-      <p:pic>
-        <p:nvPicPr>
-          <p:cNvPr id="5" name="图片 4">
-            <a:extLst>
-              <a:ext uri="{FF2B5EF4-FFF2-40B4-BE49-F238E27FC236}">
-                <a16:creationId xmlns:a16="http://schemas.microsoft.com/office/drawing/2014/main" id="{89BA1469-BF5F-439A-A322-774CD9A2AAF8}"/>
-              </a:ext>
-            </a:extLst>
-          </p:cNvPr>
-          <p:cNvPicPr>
-            <a:picLocks noChangeAspect="1"/>
-          </p:cNvPicPr>
-          <p:nvPr/>
-        </p:nvPicPr>
-        <p:blipFill>
-          <a:blip r:embed="rId2"/>
-          <a:stretch>
-            <a:fillRect/>
-          </a:stretch>
-        </p:blipFill>
-        <p:spPr>
-          <a:xfrm>
-            <a:off x="6096000" y="1323784"/>
-            <a:ext cx="5978032" cy="5038627"/>
-          </a:xfrm>
-          <a:prstGeom prst="rect">
-            <a:avLst/>
-          </a:prstGeom>
-        </p:spPr>
-      </p:pic>
-      <p:sp>
-        <p:nvSpPr>
-          <p:cNvPr id="134" name="文本框 133">
-            <a:extLst>
-              <a:ext uri="{FF2B5EF4-FFF2-40B4-BE49-F238E27FC236}">
-                <a16:creationId xmlns:a16="http://schemas.microsoft.com/office/drawing/2014/main" id="{56B0B4F9-14B4-40B2-BD3D-E8A5F490767C}"/>
-              </a:ext>
-            </a:extLst>
-          </p:cNvPr>
-          <p:cNvSpPr txBox="1"/>
-          <p:nvPr/>
-        </p:nvSpPr>
-        <p:spPr>
-          <a:xfrm>
-            <a:off x="388322" y="96207"/>
-            <a:ext cx="4433060" cy="400110"/>
-          </a:xfrm>
-          <a:prstGeom prst="rect">
-            <a:avLst/>
-          </a:prstGeom>
-          <a:noFill/>
-        </p:spPr>
-        <p:txBody>
-          <a:bodyPr wrap="square" rtlCol="0">
-            <a:spAutoFit/>
-          </a:bodyPr>
-          <a:lstStyle>
-            <a:defPPr>
-              <a:defRPr lang="zh-CN"/>
-            </a:defPPr>
-            <a:lvl1pPr>
-              <a:defRPr sz="2000" b="1">
-                <a:solidFill>
-                  <a:srgbClr val="0070C0"/>
-                </a:solidFill>
-                <a:latin typeface="宋体" panose="02010600030101010101" pitchFamily="2" charset="-122"/>
-                <a:ea typeface="宋体" panose="02010600030101010101" pitchFamily="2" charset="-122"/>
-              </a:defRPr>
-            </a:lvl1pPr>
-          </a:lstStyle>
-          <a:p>
-            <a:r>
-              <a:rPr lang="zh-CN" altLang="en-US" dirty="0"/>
-              <a:t>调度中心方案</a:t>
-            </a:r>
-            <a:r>
-              <a:rPr lang="en-US" altLang="zh-CN" dirty="0"/>
-              <a:t>/</a:t>
-            </a:r>
-            <a:r>
-              <a:rPr lang="zh-CN" altLang="en-US" dirty="0"/>
-              <a:t>功能：</a:t>
-            </a:r>
-          </a:p>
-        </p:txBody>
-      </p:sp>
-      <p:sp>
-        <p:nvSpPr>
-          <p:cNvPr id="4" name="文本框 3">
-            <a:extLst>
-              <a:ext uri="{FF2B5EF4-FFF2-40B4-BE49-F238E27FC236}">
-                <a16:creationId xmlns:a16="http://schemas.microsoft.com/office/drawing/2014/main" id="{2C80D048-F782-4D64-BE25-7A137B6F5090}"/>
-              </a:ext>
-            </a:extLst>
-          </p:cNvPr>
-          <p:cNvSpPr txBox="1"/>
-          <p:nvPr/>
-        </p:nvSpPr>
-        <p:spPr>
-          <a:xfrm>
-            <a:off x="388322" y="732530"/>
-            <a:ext cx="5533895" cy="1477328"/>
-          </a:xfrm>
-          <a:prstGeom prst="rect">
-            <a:avLst/>
-          </a:prstGeom>
-          <a:noFill/>
-        </p:spPr>
-        <p:txBody>
-          <a:bodyPr wrap="square" rtlCol="0">
-            <a:spAutoFit/>
-          </a:bodyPr>
-          <a:lstStyle/>
-          <a:p>
-            <a:pPr marL="342900" indent="-342900">
-              <a:buAutoNum type="arabicPeriod"/>
-            </a:pPr>
-            <a:r>
-              <a:rPr lang="zh-CN" altLang="en-US" dirty="0"/>
-              <a:t>轻量级任务调度，避免平台强依赖</a:t>
-            </a:r>
-            <a:r>
-              <a:rPr lang="en-US" altLang="zh-CN" dirty="0"/>
-              <a:t>dolphin</a:t>
-            </a:r>
-          </a:p>
-          <a:p>
-            <a:pPr marL="342900" indent="-342900">
-              <a:buFontTx/>
-              <a:buAutoNum type="arabicPeriod"/>
-            </a:pPr>
-            <a:r>
-              <a:rPr lang="zh-CN" altLang="en-US" dirty="0"/>
-              <a:t>调度任务报表</a:t>
-            </a:r>
-            <a:endParaRPr lang="en-US" altLang="zh-CN" dirty="0"/>
-          </a:p>
-          <a:p>
-            <a:pPr marL="342900" indent="-342900">
-              <a:buAutoNum type="arabicPeriod"/>
-            </a:pPr>
-            <a:r>
-              <a:rPr lang="zh-CN" altLang="en-US" dirty="0"/>
-              <a:t>任务类型支持</a:t>
-            </a:r>
-            <a:r>
-              <a:rPr lang="en-US" altLang="zh-CN" dirty="0"/>
-              <a:t>shell, python, java</a:t>
-            </a:r>
-            <a:r>
-              <a:rPr lang="zh-CN" altLang="en-US" dirty="0"/>
-              <a:t>等脚本，在线编辑</a:t>
-            </a:r>
-            <a:endParaRPr lang="en-US" altLang="zh-CN" dirty="0"/>
-          </a:p>
-          <a:p>
-            <a:pPr marL="342900" indent="-342900">
-              <a:buAutoNum type="arabicPeriod"/>
-            </a:pPr>
-            <a:r>
-              <a:rPr lang="zh-CN" altLang="en-US" dirty="0"/>
-              <a:t>调度任务管理增删改查</a:t>
-            </a:r>
-            <a:endParaRPr lang="en-US" altLang="zh-CN" dirty="0"/>
-          </a:p>
-          <a:p>
-            <a:pPr marL="342900" indent="-342900">
-              <a:buAutoNum type="arabicPeriod"/>
-            </a:pPr>
-            <a:r>
-              <a:rPr lang="zh-CN" altLang="en-US" dirty="0"/>
-              <a:t>调度任务日志在线查看</a:t>
-            </a:r>
-            <a:endParaRPr lang="en-US" altLang="zh-CN" dirty="0"/>
-          </a:p>
-        </p:txBody>
-      </p:sp>
-      <p:pic>
-        <p:nvPicPr>
-          <p:cNvPr id="7" name="图片 6">
-            <a:extLst>
-              <a:ext uri="{FF2B5EF4-FFF2-40B4-BE49-F238E27FC236}">
-                <a16:creationId xmlns:a16="http://schemas.microsoft.com/office/drawing/2014/main" id="{AD29B80D-375B-4149-9FC2-13FC7883A691}"/>
-              </a:ext>
-            </a:extLst>
-          </p:cNvPr>
-          <p:cNvPicPr>
-            <a:picLocks noChangeAspect="1"/>
-          </p:cNvPicPr>
-          <p:nvPr/>
-        </p:nvPicPr>
-        <p:blipFill>
-          <a:blip r:embed="rId3"/>
-          <a:stretch>
-            <a:fillRect/>
-          </a:stretch>
-        </p:blipFill>
-        <p:spPr>
-          <a:xfrm>
-            <a:off x="55922" y="4131184"/>
-            <a:ext cx="5192156" cy="2726816"/>
-          </a:xfrm>
-          <a:prstGeom prst="rect">
-            <a:avLst/>
-          </a:prstGeom>
-        </p:spPr>
-      </p:pic>
-      <p:pic>
-        <p:nvPicPr>
-          <p:cNvPr id="9" name="图片 8">
-            <a:extLst>
-              <a:ext uri="{FF2B5EF4-FFF2-40B4-BE49-F238E27FC236}">
-                <a16:creationId xmlns:a16="http://schemas.microsoft.com/office/drawing/2014/main" id="{C29F8CD1-1A56-42A3-958A-319A801432FA}"/>
-              </a:ext>
-            </a:extLst>
-          </p:cNvPr>
-          <p:cNvPicPr>
-            <a:picLocks noChangeAspect="1"/>
-          </p:cNvPicPr>
-          <p:nvPr/>
-        </p:nvPicPr>
-        <p:blipFill>
-          <a:blip r:embed="rId4"/>
-          <a:stretch>
-            <a:fillRect/>
-          </a:stretch>
-        </p:blipFill>
-        <p:spPr>
-          <a:xfrm>
-            <a:off x="2033399" y="2305130"/>
-            <a:ext cx="3888818" cy="2511691"/>
-          </a:xfrm>
-          <a:prstGeom prst="rect">
-            <a:avLst/>
-          </a:prstGeom>
-        </p:spPr>
-      </p:pic>
-      <p:cxnSp>
-        <p:nvCxnSpPr>
-          <p:cNvPr id="3" name="连接符: 曲线 2">
-            <a:extLst>
-              <a:ext uri="{FF2B5EF4-FFF2-40B4-BE49-F238E27FC236}">
-                <a16:creationId xmlns:a16="http://schemas.microsoft.com/office/drawing/2014/main" id="{ECC9437E-9F6B-471E-BD29-F31AA591458E}"/>
-              </a:ext>
-            </a:extLst>
-          </p:cNvPr>
-          <p:cNvCxnSpPr/>
-          <p:nvPr/>
-        </p:nvCxnSpPr>
-        <p:spPr>
-          <a:xfrm rot="10800000">
-            <a:off x="3786910" y="2724727"/>
-            <a:ext cx="4091709" cy="3435928"/>
-          </a:xfrm>
-          <a:prstGeom prst="curvedConnector3">
-            <a:avLst/>
-          </a:prstGeom>
-          <a:ln>
-            <a:tailEnd type="triangle"/>
-          </a:ln>
-        </p:spPr>
-        <p:style>
-          <a:lnRef idx="1">
-            <a:schemeClr val="accent1"/>
-          </a:lnRef>
-          <a:fillRef idx="0">
-            <a:schemeClr val="accent1"/>
-          </a:fillRef>
-          <a:effectRef idx="0">
-            <a:schemeClr val="accent1"/>
-          </a:effectRef>
-          <a:fontRef idx="minor">
-            <a:schemeClr val="tx1"/>
-          </a:fontRef>
-        </p:style>
-      </p:cxnSp>
-      <p:cxnSp>
-        <p:nvCxnSpPr>
-          <p:cNvPr id="8" name="连接符: 曲线 7">
-            <a:extLst>
-              <a:ext uri="{FF2B5EF4-FFF2-40B4-BE49-F238E27FC236}">
-                <a16:creationId xmlns:a16="http://schemas.microsoft.com/office/drawing/2014/main" id="{B5C8C3FA-2D1E-4BDA-B08A-AD308BEB4FB0}"/>
-              </a:ext>
-            </a:extLst>
-          </p:cNvPr>
-          <p:cNvCxnSpPr/>
-          <p:nvPr/>
-        </p:nvCxnSpPr>
-        <p:spPr>
-          <a:xfrm rot="10800000" flipV="1">
-            <a:off x="1588655" y="3906981"/>
-            <a:ext cx="3426690" cy="1847273"/>
-          </a:xfrm>
-          <a:prstGeom prst="curvedConnector3">
-            <a:avLst/>
-          </a:prstGeom>
-          <a:ln>
-            <a:tailEnd type="triangle"/>
-          </a:ln>
-        </p:spPr>
-        <p:style>
-          <a:lnRef idx="1">
-            <a:schemeClr val="accent1"/>
-          </a:lnRef>
-          <a:fillRef idx="0">
-            <a:schemeClr val="accent1"/>
-          </a:fillRef>
-          <a:effectRef idx="0">
-            <a:schemeClr val="accent1"/>
-          </a:effectRef>
-          <a:fontRef idx="minor">
-            <a:schemeClr val="tx1"/>
-          </a:fontRef>
-        </p:style>
-      </p:cxnSp>
-    </p:spTree>
-    <p:extLst>
-      <p:ext uri="{BB962C8B-B14F-4D97-AF65-F5344CB8AC3E}">
-        <p14:creationId xmlns:p14="http://schemas.microsoft.com/office/powerpoint/2010/main" val="2136162955"/>
       </p:ext>
     </p:extLst>
   </p:cSld>
